--- a/PPT-ADB-23518002-Predicting Covid19 death cases in Indonesia.pptx
+++ b/PPT-ADB-23518002-Predicting Covid19 death cases in Indonesia.pptx
@@ -2,10 +2,10 @@
 <file path=ppt/presentation.xml><?xml version="1.0" encoding="utf-8"?>
 <p:presentation xmlns:a="http://schemas.openxmlformats.org/drawingml/2006/main" xmlns:r="http://schemas.openxmlformats.org/officeDocument/2006/relationships" xmlns:p="http://schemas.openxmlformats.org/presentationml/2006/main" saveSubsetFonts="1">
   <p:sldMasterIdLst>
-    <p:sldMasterId id="2147483648" r:id="rId1"/>
+    <p:sldMasterId id="2147483660" r:id="rId1"/>
   </p:sldMasterIdLst>
   <p:notesMasterIdLst>
-    <p:notesMasterId r:id="rId14"/>
+    <p:notesMasterId r:id="rId16"/>
   </p:notesMasterIdLst>
   <p:sldIdLst>
     <p:sldId id="256" r:id="rId2"/>
@@ -18,8 +18,10 @@
     <p:sldId id="261" r:id="rId9"/>
     <p:sldId id="264" r:id="rId10"/>
     <p:sldId id="265" r:id="rId11"/>
-    <p:sldId id="262" r:id="rId12"/>
-    <p:sldId id="263" r:id="rId13"/>
+    <p:sldId id="270" r:id="rId12"/>
+    <p:sldId id="262" r:id="rId13"/>
+    <p:sldId id="263" r:id="rId14"/>
+    <p:sldId id="269" r:id="rId15"/>
   </p:sldIdLst>
   <p:sldSz cx="12192000" cy="6858000"/>
   <p:notesSz cx="6858000" cy="9144000"/>
@@ -208,7 +210,7 @@
           <a:p>
             <a:fld id="{BEB21268-9E01-4B48-8A02-8F2BA71D1A1C}" type="datetimeFigureOut">
               <a:rPr lang="en-US" smtClean="0"/>
-              <a:t>3/31/2020</a:t>
+              <a:t>4/7/2020</a:t>
             </a:fld>
             <a:endParaRPr lang="en-US"/>
           </a:p>
@@ -560,8 +562,92 @@
 </p:notes>
 </file>
 
+<file path=ppt/notesSlides/notesSlide2.xml><?xml version="1.0" encoding="utf-8"?>
+<p:notes xmlns:a="http://schemas.openxmlformats.org/drawingml/2006/main" xmlns:r="http://schemas.openxmlformats.org/officeDocument/2006/relationships" xmlns:p="http://schemas.openxmlformats.org/presentationml/2006/main">
+  <p:cSld>
+    <p:spTree>
+      <p:nvGrpSpPr>
+        <p:cNvPr id="1" name=""/>
+        <p:cNvGrpSpPr/>
+        <p:nvPr/>
+      </p:nvGrpSpPr>
+      <p:grpSpPr>
+        <a:xfrm>
+          <a:off x="0" y="0"/>
+          <a:ext cx="0" cy="0"/>
+          <a:chOff x="0" y="0"/>
+          <a:chExt cx="0" cy="0"/>
+        </a:xfrm>
+      </p:grpSpPr>
+      <p:sp>
+        <p:nvSpPr>
+          <p:cNvPr id="2" name="Slide Image Placeholder 1"/>
+          <p:cNvSpPr>
+            <a:spLocks noGrp="1" noRot="1" noChangeAspect="1"/>
+          </p:cNvSpPr>
+          <p:nvPr>
+            <p:ph type="sldImg"/>
+          </p:nvPr>
+        </p:nvSpPr>
+        <p:spPr/>
+      </p:sp>
+      <p:sp>
+        <p:nvSpPr>
+          <p:cNvPr id="3" name="Notes Placeholder 2"/>
+          <p:cNvSpPr>
+            <a:spLocks noGrp="1"/>
+          </p:cNvSpPr>
+          <p:nvPr>
+            <p:ph type="body" idx="1"/>
+          </p:nvPr>
+        </p:nvSpPr>
+        <p:spPr/>
+        <p:txBody>
+          <a:bodyPr/>
+          <a:lstStyle/>
+          <a:p>
+            <a:endParaRPr lang="en-US" dirty="0"/>
+          </a:p>
+        </p:txBody>
+      </p:sp>
+      <p:sp>
+        <p:nvSpPr>
+          <p:cNvPr id="4" name="Slide Number Placeholder 3"/>
+          <p:cNvSpPr>
+            <a:spLocks noGrp="1"/>
+          </p:cNvSpPr>
+          <p:nvPr>
+            <p:ph type="sldNum" sz="quarter" idx="10"/>
+          </p:nvPr>
+        </p:nvSpPr>
+        <p:spPr/>
+        <p:txBody>
+          <a:bodyPr/>
+          <a:lstStyle/>
+          <a:p>
+            <a:fld id="{F4DC91AE-85AC-433B-8C8D-C70622F5F369}" type="slidenum">
+              <a:rPr lang="en-US" smtClean="0"/>
+              <a:t>9</a:t>
+            </a:fld>
+            <a:endParaRPr lang="en-US"/>
+          </a:p>
+        </p:txBody>
+      </p:sp>
+    </p:spTree>
+    <p:extLst>
+      <p:ext uri="{BB962C8B-B14F-4D97-AF65-F5344CB8AC3E}">
+        <p14:creationId xmlns:p14="http://schemas.microsoft.com/office/powerpoint/2010/main" val="2641140199"/>
+      </p:ext>
+    </p:extLst>
+  </p:cSld>
+  <p:clrMapOvr>
+    <a:masterClrMapping/>
+  </p:clrMapOvr>
+</p:notes>
+</file>
+
 <file path=ppt/slideLayouts/slideLayout1.xml><?xml version="1.0" encoding="utf-8"?>
-<p:sldLayout xmlns:a="http://schemas.openxmlformats.org/drawingml/2006/main" xmlns:r="http://schemas.openxmlformats.org/officeDocument/2006/relationships" xmlns:p="http://schemas.openxmlformats.org/presentationml/2006/main" type="title" preserve="1">
+<p:sldLayout xmlns:a="http://schemas.openxmlformats.org/drawingml/2006/main" xmlns:r="http://schemas.openxmlformats.org/officeDocument/2006/relationships" xmlns:p="http://schemas.openxmlformats.org/presentationml/2006/main" showMasterSp="0" type="title" preserve="1">
   <p:cSld name="Title Slide">
     <p:spTree>
       <p:nvGrpSpPr>
@@ -579,6 +665,82 @@
       </p:grpSpPr>
       <p:sp>
         <p:nvSpPr>
+          <p:cNvPr id="7" name="Rectangle 6"/>
+          <p:cNvSpPr/>
+          <p:nvPr/>
+        </p:nvSpPr>
+        <p:spPr>
+          <a:xfrm>
+            <a:off x="3175" y="6400800"/>
+            <a:ext cx="12188825" cy="457200"/>
+          </a:xfrm>
+          <a:prstGeom prst="rect">
+            <a:avLst/>
+          </a:prstGeom>
+          <a:solidFill>
+            <a:schemeClr val="accent2"/>
+          </a:solidFill>
+          <a:ln>
+            <a:noFill/>
+          </a:ln>
+        </p:spPr>
+        <p:style>
+          <a:lnRef idx="2">
+            <a:schemeClr val="accent1">
+              <a:shade val="50000"/>
+            </a:schemeClr>
+          </a:lnRef>
+          <a:fillRef idx="1">
+            <a:schemeClr val="accent1"/>
+          </a:fillRef>
+          <a:effectRef idx="0">
+            <a:schemeClr val="accent1"/>
+          </a:effectRef>
+          <a:fontRef idx="minor">
+            <a:schemeClr val="lt1"/>
+          </a:fontRef>
+        </p:style>
+      </p:sp>
+      <p:sp>
+        <p:nvSpPr>
+          <p:cNvPr id="8" name="Rectangle 7"/>
+          <p:cNvSpPr/>
+          <p:nvPr/>
+        </p:nvSpPr>
+        <p:spPr>
+          <a:xfrm>
+            <a:off x="15" y="6334316"/>
+            <a:ext cx="12188825" cy="64008"/>
+          </a:xfrm>
+          <a:prstGeom prst="rect">
+            <a:avLst/>
+          </a:prstGeom>
+          <a:solidFill>
+            <a:schemeClr val="accent1"/>
+          </a:solidFill>
+          <a:ln>
+            <a:noFill/>
+          </a:ln>
+        </p:spPr>
+        <p:style>
+          <a:lnRef idx="2">
+            <a:schemeClr val="accent1">
+              <a:shade val="50000"/>
+            </a:schemeClr>
+          </a:lnRef>
+          <a:fillRef idx="1">
+            <a:schemeClr val="accent1"/>
+          </a:fillRef>
+          <a:effectRef idx="0">
+            <a:schemeClr val="accent1"/>
+          </a:effectRef>
+          <a:fontRef idx="minor">
+            <a:schemeClr val="lt1"/>
+          </a:fontRef>
+        </p:style>
+      </p:sp>
+      <p:sp>
+        <p:nvSpPr>
           <p:cNvPr id="2" name="Title 1"/>
           <p:cNvSpPr>
             <a:spLocks noGrp="1"/>
@@ -589,15 +751,27 @@
         </p:nvSpPr>
         <p:spPr>
           <a:xfrm>
-            <a:off x="1524000" y="1122363"/>
-            <a:ext cx="9144000" cy="2387600"/>
+            <a:off x="1097280" y="758952"/>
+            <a:ext cx="10058400" cy="3566160"/>
           </a:xfrm>
         </p:spPr>
         <p:txBody>
-          <a:bodyPr anchor="b"/>
+          <a:bodyPr anchor="b">
+            <a:normAutofit/>
+          </a:bodyPr>
           <a:lstStyle>
-            <a:lvl1pPr algn="ctr">
-              <a:defRPr sz="6000"/>
+            <a:lvl1pPr algn="l">
+              <a:lnSpc>
+                <a:spcPct val="85000"/>
+              </a:lnSpc>
+              <a:defRPr sz="8000" spc="-50" baseline="0">
+                <a:solidFill>
+                  <a:schemeClr val="tx1">
+                    <a:lumMod val="85000"/>
+                    <a:lumOff val="15000"/>
+                  </a:schemeClr>
+                </a:solidFill>
+              </a:defRPr>
             </a:lvl1pPr>
           </a:lstStyle>
           <a:p>
@@ -605,7 +779,7 @@
               <a:rPr lang="en-US" smtClean="0"/>
               <a:t>Click to edit Master title style</a:t>
             </a:r>
-            <a:endParaRPr lang="en-US"/>
+            <a:endParaRPr lang="en-US" dirty="0"/>
           </a:p>
         </p:txBody>
       </p:sp>
@@ -621,48 +795,55 @@
         </p:nvSpPr>
         <p:spPr>
           <a:xfrm>
-            <a:off x="1524000" y="3602038"/>
-            <a:ext cx="9144000" cy="1655762"/>
+            <a:off x="1100051" y="4455620"/>
+            <a:ext cx="10058400" cy="1143000"/>
           </a:xfrm>
         </p:spPr>
         <p:txBody>
-          <a:bodyPr/>
+          <a:bodyPr lIns="91440" rIns="91440">
+            <a:normAutofit/>
+          </a:bodyPr>
           <a:lstStyle>
-            <a:lvl1pPr marL="0" indent="0" algn="ctr">
+            <a:lvl1pPr marL="0" indent="0" algn="l">
               <a:buNone/>
-              <a:defRPr sz="2400"/>
+              <a:defRPr sz="2400" cap="all" spc="200" baseline="0">
+                <a:solidFill>
+                  <a:schemeClr val="tx2"/>
+                </a:solidFill>
+                <a:latin typeface="+mj-lt"/>
+              </a:defRPr>
             </a:lvl1pPr>
             <a:lvl2pPr marL="457200" indent="0" algn="ctr">
               <a:buNone/>
-              <a:defRPr sz="2000"/>
+              <a:defRPr sz="2400"/>
             </a:lvl2pPr>
             <a:lvl3pPr marL="914400" indent="0" algn="ctr">
               <a:buNone/>
-              <a:defRPr sz="1800"/>
+              <a:defRPr sz="2400"/>
             </a:lvl3pPr>
             <a:lvl4pPr marL="1371600" indent="0" algn="ctr">
               <a:buNone/>
-              <a:defRPr sz="1600"/>
+              <a:defRPr sz="2000"/>
             </a:lvl4pPr>
             <a:lvl5pPr marL="1828800" indent="0" algn="ctr">
               <a:buNone/>
-              <a:defRPr sz="1600"/>
+              <a:defRPr sz="2000"/>
             </a:lvl5pPr>
             <a:lvl6pPr marL="2286000" indent="0" algn="ctr">
               <a:buNone/>
-              <a:defRPr sz="1600"/>
+              <a:defRPr sz="2000"/>
             </a:lvl6pPr>
             <a:lvl7pPr marL="2743200" indent="0" algn="ctr">
               <a:buNone/>
-              <a:defRPr sz="1600"/>
+              <a:defRPr sz="2000"/>
             </a:lvl7pPr>
             <a:lvl8pPr marL="3200400" indent="0" algn="ctr">
               <a:buNone/>
-              <a:defRPr sz="1600"/>
+              <a:defRPr sz="2000"/>
             </a:lvl8pPr>
             <a:lvl9pPr marL="3657600" indent="0" algn="ctr">
               <a:buNone/>
-              <a:defRPr sz="1600"/>
+              <a:defRPr sz="2000"/>
             </a:lvl9pPr>
           </a:lstStyle>
           <a:p>
@@ -670,7 +851,7 @@
               <a:rPr lang="en-US" smtClean="0"/>
               <a:t>Click to edit Master subtitle style</a:t>
             </a:r>
-            <a:endParaRPr lang="en-US"/>
+            <a:endParaRPr lang="en-US" dirty="0"/>
           </a:p>
         </p:txBody>
       </p:sp>
@@ -691,7 +872,7 @@
           <a:p>
             <a:fld id="{CBE4B8D3-EA78-4A17-AD31-EB0210329725}" type="datetimeFigureOut">
               <a:rPr lang="en-US" smtClean="0"/>
-              <a:t>3/30/2020</a:t>
+              <a:t>4/7/2020</a:t>
             </a:fld>
             <a:endParaRPr lang="en-US"/>
           </a:p>
@@ -739,10 +920,48 @@
           </a:p>
         </p:txBody>
       </p:sp>
+      <p:cxnSp>
+        <p:nvCxnSpPr>
+          <p:cNvPr id="9" name="Straight Connector 8"/>
+          <p:cNvCxnSpPr/>
+          <p:nvPr/>
+        </p:nvCxnSpPr>
+        <p:spPr>
+          <a:xfrm>
+            <a:off x="1207658" y="4343400"/>
+            <a:ext cx="9875520" cy="0"/>
+          </a:xfrm>
+          <a:prstGeom prst="line">
+            <a:avLst/>
+          </a:prstGeom>
+          <a:ln w="6350">
+            <a:solidFill>
+              <a:schemeClr val="tx1">
+                <a:lumMod val="50000"/>
+                <a:lumOff val="50000"/>
+              </a:schemeClr>
+            </a:solidFill>
+          </a:ln>
+        </p:spPr>
+        <p:style>
+          <a:lnRef idx="1">
+            <a:schemeClr val="accent1"/>
+          </a:lnRef>
+          <a:fillRef idx="0">
+            <a:schemeClr val="accent1"/>
+          </a:fillRef>
+          <a:effectRef idx="0">
+            <a:schemeClr val="accent1"/>
+          </a:effectRef>
+          <a:fontRef idx="minor">
+            <a:schemeClr val="tx1"/>
+          </a:fontRef>
+        </p:style>
+      </p:cxnSp>
     </p:spTree>
     <p:extLst>
       <p:ext uri="{BB962C8B-B14F-4D97-AF65-F5344CB8AC3E}">
-        <p14:creationId xmlns:p14="http://schemas.microsoft.com/office/powerpoint/2010/main" val="4211788925"/>
+        <p14:creationId xmlns:p14="http://schemas.microsoft.com/office/powerpoint/2010/main" val="576966800"/>
       </p:ext>
     </p:extLst>
   </p:cSld>
@@ -788,7 +1007,7 @@
               <a:rPr lang="en-US" smtClean="0"/>
               <a:t>Click to edit Master title style</a:t>
             </a:r>
-            <a:endParaRPr lang="en-US"/>
+            <a:endParaRPr lang="en-US" dirty="0"/>
           </a:p>
         </p:txBody>
       </p:sp>
@@ -804,7 +1023,7 @@
         </p:nvSpPr>
         <p:spPr/>
         <p:txBody>
-          <a:bodyPr vert="eaVert"/>
+          <a:bodyPr vert="eaVert" lIns="45720" tIns="0" rIns="45720" bIns="0"/>
           <a:lstStyle/>
           <a:p>
             <a:pPr lvl="0"/>
@@ -840,7 +1059,7 @@
               <a:rPr lang="en-US" smtClean="0"/>
               <a:t>Fifth level</a:t>
             </a:r>
-            <a:endParaRPr lang="en-US"/>
+            <a:endParaRPr lang="en-US" dirty="0"/>
           </a:p>
         </p:txBody>
       </p:sp>
@@ -861,7 +1080,7 @@
           <a:p>
             <a:fld id="{CBE4B8D3-EA78-4A17-AD31-EB0210329725}" type="datetimeFigureOut">
               <a:rPr lang="en-US" smtClean="0"/>
-              <a:t>3/30/2020</a:t>
+              <a:t>4/7/2020</a:t>
             </a:fld>
             <a:endParaRPr lang="en-US"/>
           </a:p>
@@ -912,7 +1131,7 @@
     </p:spTree>
     <p:extLst>
       <p:ext uri="{BB962C8B-B14F-4D97-AF65-F5344CB8AC3E}">
-        <p14:creationId xmlns:p14="http://schemas.microsoft.com/office/powerpoint/2010/main" val="2502777267"/>
+        <p14:creationId xmlns:p14="http://schemas.microsoft.com/office/powerpoint/2010/main" val="2469539863"/>
       </p:ext>
     </p:extLst>
   </p:cSld>
@@ -923,7 +1142,7 @@
 </file>
 
 <file path=ppt/slideLayouts/slideLayout11.xml><?xml version="1.0" encoding="utf-8"?>
-<p:sldLayout xmlns:a="http://schemas.openxmlformats.org/drawingml/2006/main" xmlns:r="http://schemas.openxmlformats.org/officeDocument/2006/relationships" xmlns:p="http://schemas.openxmlformats.org/presentationml/2006/main" type="vertTitleAndTx" preserve="1">
+<p:sldLayout xmlns:a="http://schemas.openxmlformats.org/drawingml/2006/main" xmlns:r="http://schemas.openxmlformats.org/officeDocument/2006/relationships" xmlns:p="http://schemas.openxmlformats.org/presentationml/2006/main" showMasterSp="0" type="vertTitleAndTx" preserve="1">
   <p:cSld name="Vertical Title and Text">
     <p:spTree>
       <p:nvGrpSpPr>
@@ -941,6 +1160,82 @@
       </p:grpSpPr>
       <p:sp>
         <p:nvSpPr>
+          <p:cNvPr id="7" name="Rectangle 6"/>
+          <p:cNvSpPr/>
+          <p:nvPr/>
+        </p:nvSpPr>
+        <p:spPr>
+          <a:xfrm>
+            <a:off x="3175" y="6400800"/>
+            <a:ext cx="12188825" cy="457200"/>
+          </a:xfrm>
+          <a:prstGeom prst="rect">
+            <a:avLst/>
+          </a:prstGeom>
+          <a:solidFill>
+            <a:schemeClr val="accent2"/>
+          </a:solidFill>
+          <a:ln>
+            <a:noFill/>
+          </a:ln>
+        </p:spPr>
+        <p:style>
+          <a:lnRef idx="2">
+            <a:schemeClr val="accent1">
+              <a:shade val="50000"/>
+            </a:schemeClr>
+          </a:lnRef>
+          <a:fillRef idx="1">
+            <a:schemeClr val="accent1"/>
+          </a:fillRef>
+          <a:effectRef idx="0">
+            <a:schemeClr val="accent1"/>
+          </a:effectRef>
+          <a:fontRef idx="minor">
+            <a:schemeClr val="lt1"/>
+          </a:fontRef>
+        </p:style>
+      </p:sp>
+      <p:sp>
+        <p:nvSpPr>
+          <p:cNvPr id="8" name="Rectangle 7"/>
+          <p:cNvSpPr/>
+          <p:nvPr/>
+        </p:nvSpPr>
+        <p:spPr>
+          <a:xfrm>
+            <a:off x="15" y="6334316"/>
+            <a:ext cx="12188825" cy="64008"/>
+          </a:xfrm>
+          <a:prstGeom prst="rect">
+            <a:avLst/>
+          </a:prstGeom>
+          <a:solidFill>
+            <a:schemeClr val="accent1"/>
+          </a:solidFill>
+          <a:ln>
+            <a:noFill/>
+          </a:ln>
+        </p:spPr>
+        <p:style>
+          <a:lnRef idx="2">
+            <a:schemeClr val="accent1">
+              <a:shade val="50000"/>
+            </a:schemeClr>
+          </a:lnRef>
+          <a:fillRef idx="1">
+            <a:schemeClr val="accent1"/>
+          </a:fillRef>
+          <a:effectRef idx="0">
+            <a:schemeClr val="accent1"/>
+          </a:effectRef>
+          <a:fontRef idx="minor">
+            <a:schemeClr val="lt1"/>
+          </a:fontRef>
+        </p:style>
+      </p:sp>
+      <p:sp>
+        <p:nvSpPr>
           <p:cNvPr id="2" name="Vertical Title 1"/>
           <p:cNvSpPr>
             <a:spLocks noGrp="1"/>
@@ -951,8 +1246,8 @@
         </p:nvSpPr>
         <p:spPr>
           <a:xfrm>
-            <a:off x="8724900" y="365125"/>
-            <a:ext cx="2628900" cy="5811838"/>
+            <a:off x="8724900" y="414778"/>
+            <a:ext cx="2628900" cy="5757421"/>
           </a:xfrm>
         </p:spPr>
         <p:txBody>
@@ -963,7 +1258,7 @@
               <a:rPr lang="en-US" smtClean="0"/>
               <a:t>Click to edit Master title style</a:t>
             </a:r>
-            <a:endParaRPr lang="en-US"/>
+            <a:endParaRPr lang="en-US" dirty="0"/>
           </a:p>
         </p:txBody>
       </p:sp>
@@ -979,12 +1274,12 @@
         </p:nvSpPr>
         <p:spPr>
           <a:xfrm>
-            <a:off x="838200" y="365125"/>
-            <a:ext cx="7734300" cy="5811838"/>
+            <a:off x="838200" y="414778"/>
+            <a:ext cx="7734300" cy="5757422"/>
           </a:xfrm>
         </p:spPr>
         <p:txBody>
-          <a:bodyPr vert="eaVert"/>
+          <a:bodyPr vert="eaVert" lIns="45720" tIns="0" rIns="45720" bIns="0"/>
           <a:lstStyle/>
           <a:p>
             <a:pPr lvl="0"/>
@@ -1020,7 +1315,7 @@
               <a:rPr lang="en-US" smtClean="0"/>
               <a:t>Fifth level</a:t>
             </a:r>
-            <a:endParaRPr lang="en-US"/>
+            <a:endParaRPr lang="en-US" dirty="0"/>
           </a:p>
         </p:txBody>
       </p:sp>
@@ -1041,7 +1336,7 @@
           <a:p>
             <a:fld id="{CBE4B8D3-EA78-4A17-AD31-EB0210329725}" type="datetimeFigureOut">
               <a:rPr lang="en-US" smtClean="0"/>
-              <a:t>3/30/2020</a:t>
+              <a:t>4/7/2020</a:t>
             </a:fld>
             <a:endParaRPr lang="en-US"/>
           </a:p>
@@ -1092,7 +1387,7 @@
     </p:spTree>
     <p:extLst>
       <p:ext uri="{BB962C8B-B14F-4D97-AF65-F5344CB8AC3E}">
-        <p14:creationId xmlns:p14="http://schemas.microsoft.com/office/powerpoint/2010/main" val="1480370112"/>
+        <p14:creationId xmlns:p14="http://schemas.microsoft.com/office/powerpoint/2010/main" val="2682187965"/>
       </p:ext>
     </p:extLst>
   </p:cSld>
@@ -1132,13 +1427,17 @@
         <p:spPr/>
         <p:txBody>
           <a:bodyPr/>
-          <a:lstStyle/>
+          <a:lstStyle>
+            <a:lvl1pPr marL="0">
+              <a:defRPr/>
+            </a:lvl1pPr>
+          </a:lstStyle>
           <a:p>
             <a:r>
               <a:rPr lang="en-US" smtClean="0"/>
               <a:t>Click to edit Master title style</a:t>
             </a:r>
-            <a:endParaRPr lang="en-US"/>
+            <a:endParaRPr lang="en-US" dirty="0"/>
           </a:p>
         </p:txBody>
       </p:sp>
@@ -1190,7 +1489,7 @@
               <a:rPr lang="en-US" smtClean="0"/>
               <a:t>Fifth level</a:t>
             </a:r>
-            <a:endParaRPr lang="en-US"/>
+            <a:endParaRPr lang="en-US" dirty="0"/>
           </a:p>
         </p:txBody>
       </p:sp>
@@ -1211,7 +1510,7 @@
           <a:p>
             <a:fld id="{CBE4B8D3-EA78-4A17-AD31-EB0210329725}" type="datetimeFigureOut">
               <a:rPr lang="en-US" smtClean="0"/>
-              <a:t>3/30/2020</a:t>
+              <a:t>4/7/2020</a:t>
             </a:fld>
             <a:endParaRPr lang="en-US"/>
           </a:p>
@@ -1262,7 +1561,7 @@
     </p:spTree>
     <p:extLst>
       <p:ext uri="{BB962C8B-B14F-4D97-AF65-F5344CB8AC3E}">
-        <p14:creationId xmlns:p14="http://schemas.microsoft.com/office/powerpoint/2010/main" val="2447100183"/>
+        <p14:creationId xmlns:p14="http://schemas.microsoft.com/office/powerpoint/2010/main" val="1946465609"/>
       </p:ext>
     </p:extLst>
   </p:cSld>
@@ -1273,8 +1572,16 @@
 </file>
 
 <file path=ppt/slideLayouts/slideLayout3.xml><?xml version="1.0" encoding="utf-8"?>
-<p:sldLayout xmlns:a="http://schemas.openxmlformats.org/drawingml/2006/main" xmlns:r="http://schemas.openxmlformats.org/officeDocument/2006/relationships" xmlns:p="http://schemas.openxmlformats.org/presentationml/2006/main" type="secHead" preserve="1">
+<p:sldLayout xmlns:a="http://schemas.openxmlformats.org/drawingml/2006/main" xmlns:r="http://schemas.openxmlformats.org/officeDocument/2006/relationships" xmlns:p="http://schemas.openxmlformats.org/presentationml/2006/main" showMasterSp="0" type="secHead" preserve="1">
   <p:cSld name="Section Header">
+    <p:bg>
+      <p:bgPr>
+        <a:solidFill>
+          <a:schemeClr val="bg1"/>
+        </a:solidFill>
+        <a:effectLst/>
+      </p:bgPr>
+    </p:bg>
     <p:spTree>
       <p:nvGrpSpPr>
         <p:cNvPr id="1" name=""/>
@@ -1291,6 +1598,82 @@
       </p:grpSpPr>
       <p:sp>
         <p:nvSpPr>
+          <p:cNvPr id="7" name="Rectangle 6"/>
+          <p:cNvSpPr/>
+          <p:nvPr/>
+        </p:nvSpPr>
+        <p:spPr>
+          <a:xfrm>
+            <a:off x="3175" y="6400800"/>
+            <a:ext cx="12188825" cy="457200"/>
+          </a:xfrm>
+          <a:prstGeom prst="rect">
+            <a:avLst/>
+          </a:prstGeom>
+          <a:solidFill>
+            <a:schemeClr val="accent2"/>
+          </a:solidFill>
+          <a:ln>
+            <a:noFill/>
+          </a:ln>
+        </p:spPr>
+        <p:style>
+          <a:lnRef idx="2">
+            <a:schemeClr val="accent1">
+              <a:shade val="50000"/>
+            </a:schemeClr>
+          </a:lnRef>
+          <a:fillRef idx="1">
+            <a:schemeClr val="accent1"/>
+          </a:fillRef>
+          <a:effectRef idx="0">
+            <a:schemeClr val="accent1"/>
+          </a:effectRef>
+          <a:fontRef idx="minor">
+            <a:schemeClr val="lt1"/>
+          </a:fontRef>
+        </p:style>
+      </p:sp>
+      <p:sp>
+        <p:nvSpPr>
+          <p:cNvPr id="8" name="Rectangle 7"/>
+          <p:cNvSpPr/>
+          <p:nvPr/>
+        </p:nvSpPr>
+        <p:spPr>
+          <a:xfrm>
+            <a:off x="15" y="6334316"/>
+            <a:ext cx="12188825" cy="64008"/>
+          </a:xfrm>
+          <a:prstGeom prst="rect">
+            <a:avLst/>
+          </a:prstGeom>
+          <a:solidFill>
+            <a:schemeClr val="accent1"/>
+          </a:solidFill>
+          <a:ln>
+            <a:noFill/>
+          </a:ln>
+        </p:spPr>
+        <p:style>
+          <a:lnRef idx="2">
+            <a:schemeClr val="accent1">
+              <a:shade val="50000"/>
+            </a:schemeClr>
+          </a:lnRef>
+          <a:fillRef idx="1">
+            <a:schemeClr val="accent1"/>
+          </a:fillRef>
+          <a:effectRef idx="0">
+            <a:schemeClr val="accent1"/>
+          </a:effectRef>
+          <a:fontRef idx="minor">
+            <a:schemeClr val="lt1"/>
+          </a:fontRef>
+        </p:style>
+      </p:sp>
+      <p:sp>
+        <p:nvSpPr>
           <p:cNvPr id="2" name="Title 1"/>
           <p:cNvSpPr>
             <a:spLocks noGrp="1"/>
@@ -1301,15 +1684,27 @@
         </p:nvSpPr>
         <p:spPr>
           <a:xfrm>
-            <a:off x="831850" y="1709738"/>
-            <a:ext cx="10515600" cy="2852737"/>
+            <a:off x="1097280" y="758952"/>
+            <a:ext cx="10058400" cy="3566160"/>
           </a:xfrm>
         </p:spPr>
         <p:txBody>
-          <a:bodyPr anchor="b"/>
+          <a:bodyPr anchor="b" anchorCtr="0">
+            <a:normAutofit/>
+          </a:bodyPr>
           <a:lstStyle>
             <a:lvl1pPr>
-              <a:defRPr sz="6000"/>
+              <a:lnSpc>
+                <a:spcPct val="85000"/>
+              </a:lnSpc>
+              <a:defRPr sz="8000" b="0">
+                <a:solidFill>
+                  <a:schemeClr val="tx1">
+                    <a:lumMod val="85000"/>
+                    <a:lumOff val="15000"/>
+                  </a:schemeClr>
+                </a:solidFill>
+              </a:defRPr>
             </a:lvl1pPr>
           </a:lstStyle>
           <a:p>
@@ -1317,7 +1712,7 @@
               <a:rPr lang="en-US" smtClean="0"/>
               <a:t>Click to edit Master title style</a:t>
             </a:r>
-            <a:endParaRPr lang="en-US"/>
+            <a:endParaRPr lang="en-US" dirty="0"/>
           </a:p>
         </p:txBody>
       </p:sp>
@@ -1333,26 +1728,27 @@
         </p:nvSpPr>
         <p:spPr>
           <a:xfrm>
-            <a:off x="831850" y="4589463"/>
-            <a:ext cx="10515600" cy="1500187"/>
+            <a:off x="1097280" y="4453128"/>
+            <a:ext cx="10058400" cy="1143000"/>
           </a:xfrm>
         </p:spPr>
         <p:txBody>
-          <a:bodyPr/>
+          <a:bodyPr lIns="91440" rIns="91440" anchor="t" anchorCtr="0">
+            <a:normAutofit/>
+          </a:bodyPr>
           <a:lstStyle>
             <a:lvl1pPr marL="0" indent="0">
               <a:buNone/>
-              <a:defRPr sz="2400">
+              <a:defRPr sz="2400" cap="all" spc="200" baseline="0">
                 <a:solidFill>
-                  <a:schemeClr val="tx1">
-                    <a:tint val="75000"/>
-                  </a:schemeClr>
+                  <a:schemeClr val="tx2"/>
                 </a:solidFill>
+                <a:latin typeface="+mj-lt"/>
               </a:defRPr>
             </a:lvl1pPr>
             <a:lvl2pPr marL="457200" indent="0">
               <a:buNone/>
-              <a:defRPr sz="2000">
+              <a:defRPr sz="1800">
                 <a:solidFill>
                   <a:schemeClr val="tx1">
                     <a:tint val="75000"/>
@@ -1362,7 +1758,7 @@
             </a:lvl2pPr>
             <a:lvl3pPr marL="914400" indent="0">
               <a:buNone/>
-              <a:defRPr sz="1800">
+              <a:defRPr sz="1600">
                 <a:solidFill>
                   <a:schemeClr val="tx1">
                     <a:tint val="75000"/>
@@ -1372,7 +1768,7 @@
             </a:lvl3pPr>
             <a:lvl4pPr marL="1371600" indent="0">
               <a:buNone/>
-              <a:defRPr sz="1600">
+              <a:defRPr sz="1400">
                 <a:solidFill>
                   <a:schemeClr val="tx1">
                     <a:tint val="75000"/>
@@ -1382,7 +1778,7 @@
             </a:lvl4pPr>
             <a:lvl5pPr marL="1828800" indent="0">
               <a:buNone/>
-              <a:defRPr sz="1600">
+              <a:defRPr sz="1400">
                 <a:solidFill>
                   <a:schemeClr val="tx1">
                     <a:tint val="75000"/>
@@ -1392,7 +1788,7 @@
             </a:lvl5pPr>
             <a:lvl6pPr marL="2286000" indent="0">
               <a:buNone/>
-              <a:defRPr sz="1600">
+              <a:defRPr sz="1400">
                 <a:solidFill>
                   <a:schemeClr val="tx1">
                     <a:tint val="75000"/>
@@ -1402,7 +1798,7 @@
             </a:lvl6pPr>
             <a:lvl7pPr marL="2743200" indent="0">
               <a:buNone/>
-              <a:defRPr sz="1600">
+              <a:defRPr sz="1400">
                 <a:solidFill>
                   <a:schemeClr val="tx1">
                     <a:tint val="75000"/>
@@ -1412,7 +1808,7 @@
             </a:lvl7pPr>
             <a:lvl8pPr marL="3200400" indent="0">
               <a:buNone/>
-              <a:defRPr sz="1600">
+              <a:defRPr sz="1400">
                 <a:solidFill>
                   <a:schemeClr val="tx1">
                     <a:tint val="75000"/>
@@ -1422,7 +1818,7 @@
             </a:lvl8pPr>
             <a:lvl9pPr marL="3657600" indent="0">
               <a:buNone/>
-              <a:defRPr sz="1600">
+              <a:defRPr sz="1400">
                 <a:solidFill>
                   <a:schemeClr val="tx1">
                     <a:tint val="75000"/>
@@ -1457,7 +1853,7 @@
           <a:p>
             <a:fld id="{CBE4B8D3-EA78-4A17-AD31-EB0210329725}" type="datetimeFigureOut">
               <a:rPr lang="en-US" smtClean="0"/>
-              <a:t>3/30/2020</a:t>
+              <a:t>4/7/2020</a:t>
             </a:fld>
             <a:endParaRPr lang="en-US"/>
           </a:p>
@@ -1505,10 +1901,48 @@
           </a:p>
         </p:txBody>
       </p:sp>
+      <p:cxnSp>
+        <p:nvCxnSpPr>
+          <p:cNvPr id="9" name="Straight Connector 8"/>
+          <p:cNvCxnSpPr/>
+          <p:nvPr/>
+        </p:nvCxnSpPr>
+        <p:spPr>
+          <a:xfrm>
+            <a:off x="1207658" y="4343400"/>
+            <a:ext cx="9875520" cy="0"/>
+          </a:xfrm>
+          <a:prstGeom prst="line">
+            <a:avLst/>
+          </a:prstGeom>
+          <a:ln w="6350">
+            <a:solidFill>
+              <a:schemeClr val="tx1">
+                <a:lumMod val="50000"/>
+                <a:lumOff val="50000"/>
+              </a:schemeClr>
+            </a:solidFill>
+          </a:ln>
+        </p:spPr>
+        <p:style>
+          <a:lnRef idx="1">
+            <a:schemeClr val="accent1"/>
+          </a:lnRef>
+          <a:fillRef idx="0">
+            <a:schemeClr val="accent1"/>
+          </a:fillRef>
+          <a:effectRef idx="0">
+            <a:schemeClr val="accent1"/>
+          </a:effectRef>
+          <a:fontRef idx="minor">
+            <a:schemeClr val="tx1"/>
+          </a:fontRef>
+        </p:style>
+      </p:cxnSp>
     </p:spTree>
     <p:extLst>
       <p:ext uri="{BB962C8B-B14F-4D97-AF65-F5344CB8AC3E}">
-        <p14:creationId xmlns:p14="http://schemas.microsoft.com/office/powerpoint/2010/main" val="3023363637"/>
+        <p14:creationId xmlns:p14="http://schemas.microsoft.com/office/powerpoint/2010/main" val="1186966757"/>
       </p:ext>
     </p:extLst>
   </p:cSld>
@@ -1537,7 +1971,7 @@
       </p:grpSpPr>
       <p:sp>
         <p:nvSpPr>
-          <p:cNvPr id="2" name="Title 1"/>
+          <p:cNvPr id="8" name="Title 7"/>
           <p:cNvSpPr>
             <a:spLocks noGrp="1"/>
           </p:cNvSpPr>
@@ -1545,7 +1979,12 @@
             <p:ph type="title"/>
           </p:nvPr>
         </p:nvSpPr>
-        <p:spPr/>
+        <p:spPr>
+          <a:xfrm>
+            <a:off x="1097280" y="286603"/>
+            <a:ext cx="10058400" cy="1450757"/>
+          </a:xfrm>
+        </p:spPr>
         <p:txBody>
           <a:bodyPr/>
           <a:lstStyle/>
@@ -1554,7 +1993,7 @@
               <a:rPr lang="en-US" smtClean="0"/>
               <a:t>Click to edit Master title style</a:t>
             </a:r>
-            <a:endParaRPr lang="en-US"/>
+            <a:endParaRPr lang="en-US" dirty="0"/>
           </a:p>
         </p:txBody>
       </p:sp>
@@ -1570,8 +2009,8 @@
         </p:nvSpPr>
         <p:spPr>
           <a:xfrm>
-            <a:off x="838200" y="1825625"/>
-            <a:ext cx="5181600" cy="4351338"/>
+            <a:off x="1097279" y="1845734"/>
+            <a:ext cx="4937760" cy="4023360"/>
           </a:xfrm>
         </p:spPr>
         <p:txBody>
@@ -1611,7 +2050,7 @@
               <a:rPr lang="en-US" smtClean="0"/>
               <a:t>Fifth level</a:t>
             </a:r>
-            <a:endParaRPr lang="en-US"/>
+            <a:endParaRPr lang="en-US" dirty="0"/>
           </a:p>
         </p:txBody>
       </p:sp>
@@ -1627,8 +2066,8 @@
         </p:nvSpPr>
         <p:spPr>
           <a:xfrm>
-            <a:off x="6172200" y="1825625"/>
-            <a:ext cx="5181600" cy="4351338"/>
+            <a:off x="6217920" y="1845735"/>
+            <a:ext cx="4937760" cy="4023360"/>
           </a:xfrm>
         </p:spPr>
         <p:txBody>
@@ -1668,7 +2107,7 @@
               <a:rPr lang="en-US" smtClean="0"/>
               <a:t>Fifth level</a:t>
             </a:r>
-            <a:endParaRPr lang="en-US"/>
+            <a:endParaRPr lang="en-US" dirty="0"/>
           </a:p>
         </p:txBody>
       </p:sp>
@@ -1689,7 +2128,7 @@
           <a:p>
             <a:fld id="{CBE4B8D3-EA78-4A17-AD31-EB0210329725}" type="datetimeFigureOut">
               <a:rPr lang="en-US" smtClean="0"/>
-              <a:t>3/30/2020</a:t>
+              <a:t>4/7/2020</a:t>
             </a:fld>
             <a:endParaRPr lang="en-US"/>
           </a:p>
@@ -1740,7 +2179,7 @@
     </p:spTree>
     <p:extLst>
       <p:ext uri="{BB962C8B-B14F-4D97-AF65-F5344CB8AC3E}">
-        <p14:creationId xmlns:p14="http://schemas.microsoft.com/office/powerpoint/2010/main" val="3991859110"/>
+        <p14:creationId xmlns:p14="http://schemas.microsoft.com/office/powerpoint/2010/main" val="2628719396"/>
       </p:ext>
     </p:extLst>
   </p:cSld>
@@ -1769,7 +2208,7 @@
       </p:grpSpPr>
       <p:sp>
         <p:nvSpPr>
-          <p:cNvPr id="2" name="Title 1"/>
+          <p:cNvPr id="10" name="Title 9"/>
           <p:cNvSpPr>
             <a:spLocks noGrp="1"/>
           </p:cNvSpPr>
@@ -1779,8 +2218,8 @@
         </p:nvSpPr>
         <p:spPr>
           <a:xfrm>
-            <a:off x="839788" y="365125"/>
-            <a:ext cx="10515600" cy="1325563"/>
+            <a:off x="1097280" y="286603"/>
+            <a:ext cx="10058400" cy="1450757"/>
           </a:xfrm>
         </p:spPr>
         <p:txBody>
@@ -1791,7 +2230,7 @@
               <a:rPr lang="en-US" smtClean="0"/>
               <a:t>Click to edit Master title style</a:t>
             </a:r>
-            <a:endParaRPr lang="en-US"/>
+            <a:endParaRPr lang="en-US" dirty="0"/>
           </a:p>
         </p:txBody>
       </p:sp>
@@ -1807,16 +2246,22 @@
         </p:nvSpPr>
         <p:spPr>
           <a:xfrm>
-            <a:off x="839788" y="1681163"/>
-            <a:ext cx="5157787" cy="823912"/>
+            <a:off x="1097280" y="1846052"/>
+            <a:ext cx="4937760" cy="736282"/>
           </a:xfrm>
         </p:spPr>
         <p:txBody>
-          <a:bodyPr anchor="b"/>
+          <a:bodyPr lIns="91440" rIns="91440" anchor="ctr">
+            <a:normAutofit/>
+          </a:bodyPr>
           <a:lstStyle>
             <a:lvl1pPr marL="0" indent="0">
               <a:buNone/>
-              <a:defRPr sz="2400" b="1"/>
+              <a:defRPr sz="2000" b="0" cap="all" baseline="0">
+                <a:solidFill>
+                  <a:schemeClr val="tx2"/>
+                </a:solidFill>
+              </a:defRPr>
             </a:lvl1pPr>
             <a:lvl2pPr marL="457200" indent="0">
               <a:buNone/>
@@ -1872,8 +2317,8 @@
         </p:nvSpPr>
         <p:spPr>
           <a:xfrm>
-            <a:off x="839788" y="2505075"/>
-            <a:ext cx="5157787" cy="3684588"/>
+            <a:off x="1097280" y="2582334"/>
+            <a:ext cx="4937760" cy="3378200"/>
           </a:xfrm>
         </p:spPr>
         <p:txBody>
@@ -1913,7 +2358,7 @@
               <a:rPr lang="en-US" smtClean="0"/>
               <a:t>Fifth level</a:t>
             </a:r>
-            <a:endParaRPr lang="en-US"/>
+            <a:endParaRPr lang="en-US" dirty="0"/>
           </a:p>
         </p:txBody>
       </p:sp>
@@ -1929,16 +2374,22 @@
         </p:nvSpPr>
         <p:spPr>
           <a:xfrm>
-            <a:off x="6172200" y="1681163"/>
-            <a:ext cx="5183188" cy="823912"/>
+            <a:off x="6217920" y="1846052"/>
+            <a:ext cx="4937760" cy="736282"/>
           </a:xfrm>
         </p:spPr>
         <p:txBody>
-          <a:bodyPr anchor="b"/>
+          <a:bodyPr lIns="91440" rIns="91440" anchor="ctr">
+            <a:normAutofit/>
+          </a:bodyPr>
           <a:lstStyle>
             <a:lvl1pPr marL="0" indent="0">
               <a:buNone/>
-              <a:defRPr sz="2400" b="1"/>
+              <a:defRPr sz="2000" b="0" cap="all" baseline="0">
+                <a:solidFill>
+                  <a:schemeClr val="tx2"/>
+                </a:solidFill>
+              </a:defRPr>
             </a:lvl1pPr>
             <a:lvl2pPr marL="457200" indent="0">
               <a:buNone/>
@@ -1994,8 +2445,8 @@
         </p:nvSpPr>
         <p:spPr>
           <a:xfrm>
-            <a:off x="6172200" y="2505075"/>
-            <a:ext cx="5183188" cy="3684588"/>
+            <a:off x="6217920" y="2582334"/>
+            <a:ext cx="4937760" cy="3378200"/>
           </a:xfrm>
         </p:spPr>
         <p:txBody>
@@ -2035,7 +2486,7 @@
               <a:rPr lang="en-US" smtClean="0"/>
               <a:t>Fifth level</a:t>
             </a:r>
-            <a:endParaRPr lang="en-US"/>
+            <a:endParaRPr lang="en-US" dirty="0"/>
           </a:p>
         </p:txBody>
       </p:sp>
@@ -2056,7 +2507,7 @@
           <a:p>
             <a:fld id="{CBE4B8D3-EA78-4A17-AD31-EB0210329725}" type="datetimeFigureOut">
               <a:rPr lang="en-US" smtClean="0"/>
-              <a:t>3/30/2020</a:t>
+              <a:t>4/7/2020</a:t>
             </a:fld>
             <a:endParaRPr lang="en-US"/>
           </a:p>
@@ -2107,7 +2558,7 @@
     </p:spTree>
     <p:extLst>
       <p:ext uri="{BB962C8B-B14F-4D97-AF65-F5344CB8AC3E}">
-        <p14:creationId xmlns:p14="http://schemas.microsoft.com/office/powerpoint/2010/main" val="423792927"/>
+        <p14:creationId xmlns:p14="http://schemas.microsoft.com/office/powerpoint/2010/main" val="301106279"/>
       </p:ext>
     </p:extLst>
   </p:cSld>
@@ -2153,7 +2604,7 @@
               <a:rPr lang="en-US" smtClean="0"/>
               <a:t>Click to edit Master title style</a:t>
             </a:r>
-            <a:endParaRPr lang="en-US"/>
+            <a:endParaRPr lang="en-US" dirty="0"/>
           </a:p>
         </p:txBody>
       </p:sp>
@@ -2174,7 +2625,7 @@
           <a:p>
             <a:fld id="{CBE4B8D3-EA78-4A17-AD31-EB0210329725}" type="datetimeFigureOut">
               <a:rPr lang="en-US" smtClean="0"/>
-              <a:t>3/30/2020</a:t>
+              <a:t>4/7/2020</a:t>
             </a:fld>
             <a:endParaRPr lang="en-US"/>
           </a:p>
@@ -2225,7 +2676,7 @@
     </p:spTree>
     <p:extLst>
       <p:ext uri="{BB962C8B-B14F-4D97-AF65-F5344CB8AC3E}">
-        <p14:creationId xmlns:p14="http://schemas.microsoft.com/office/powerpoint/2010/main" val="3115953113"/>
+        <p14:creationId xmlns:p14="http://schemas.microsoft.com/office/powerpoint/2010/main" val="2189554270"/>
       </p:ext>
     </p:extLst>
   </p:cSld>
@@ -2236,7 +2687,7 @@
 </file>
 
 <file path=ppt/slideLayouts/slideLayout7.xml><?xml version="1.0" encoding="utf-8"?>
-<p:sldLayout xmlns:a="http://schemas.openxmlformats.org/drawingml/2006/main" xmlns:r="http://schemas.openxmlformats.org/officeDocument/2006/relationships" xmlns:p="http://schemas.openxmlformats.org/presentationml/2006/main" type="blank" preserve="1">
+<p:sldLayout xmlns:a="http://schemas.openxmlformats.org/drawingml/2006/main" xmlns:r="http://schemas.openxmlformats.org/officeDocument/2006/relationships" xmlns:p="http://schemas.openxmlformats.org/presentationml/2006/main" showMasterSp="0" type="blank" preserve="1">
   <p:cSld name="Blank">
     <p:spTree>
       <p:nvGrpSpPr>
@@ -2254,7 +2705,83 @@
       </p:grpSpPr>
       <p:sp>
         <p:nvSpPr>
-          <p:cNvPr id="2" name="Date Placeholder 1"/>
+          <p:cNvPr id="5" name="Rectangle 4"/>
+          <p:cNvSpPr/>
+          <p:nvPr/>
+        </p:nvSpPr>
+        <p:spPr>
+          <a:xfrm>
+            <a:off x="3175" y="6400800"/>
+            <a:ext cx="12188825" cy="457200"/>
+          </a:xfrm>
+          <a:prstGeom prst="rect">
+            <a:avLst/>
+          </a:prstGeom>
+          <a:solidFill>
+            <a:schemeClr val="accent2"/>
+          </a:solidFill>
+          <a:ln>
+            <a:noFill/>
+          </a:ln>
+        </p:spPr>
+        <p:style>
+          <a:lnRef idx="2">
+            <a:schemeClr val="accent1">
+              <a:shade val="50000"/>
+            </a:schemeClr>
+          </a:lnRef>
+          <a:fillRef idx="1">
+            <a:schemeClr val="accent1"/>
+          </a:fillRef>
+          <a:effectRef idx="0">
+            <a:schemeClr val="accent1"/>
+          </a:effectRef>
+          <a:fontRef idx="minor">
+            <a:schemeClr val="lt1"/>
+          </a:fontRef>
+        </p:style>
+      </p:sp>
+      <p:sp>
+        <p:nvSpPr>
+          <p:cNvPr id="6" name="Rectangle 5"/>
+          <p:cNvSpPr/>
+          <p:nvPr/>
+        </p:nvSpPr>
+        <p:spPr>
+          <a:xfrm>
+            <a:off x="15" y="6334316"/>
+            <a:ext cx="12188825" cy="64008"/>
+          </a:xfrm>
+          <a:prstGeom prst="rect">
+            <a:avLst/>
+          </a:prstGeom>
+          <a:solidFill>
+            <a:schemeClr val="accent1"/>
+          </a:solidFill>
+          <a:ln>
+            <a:noFill/>
+          </a:ln>
+        </p:spPr>
+        <p:style>
+          <a:lnRef idx="2">
+            <a:schemeClr val="accent1">
+              <a:shade val="50000"/>
+            </a:schemeClr>
+          </a:lnRef>
+          <a:fillRef idx="1">
+            <a:schemeClr val="accent1"/>
+          </a:fillRef>
+          <a:effectRef idx="0">
+            <a:schemeClr val="accent1"/>
+          </a:effectRef>
+          <a:fontRef idx="minor">
+            <a:schemeClr val="lt1"/>
+          </a:fontRef>
+        </p:style>
+      </p:sp>
+      <p:sp>
+        <p:nvSpPr>
+          <p:cNvPr id="7" name="Date Placeholder 6"/>
           <p:cNvSpPr>
             <a:spLocks noGrp="1"/>
           </p:cNvSpPr>
@@ -2269,7 +2796,7 @@
           <a:p>
             <a:fld id="{CBE4B8D3-EA78-4A17-AD31-EB0210329725}" type="datetimeFigureOut">
               <a:rPr lang="en-US" smtClean="0"/>
-              <a:t>3/30/2020</a:t>
+              <a:t>4/7/2020</a:t>
             </a:fld>
             <a:endParaRPr lang="en-US"/>
           </a:p>
@@ -2277,7 +2804,7 @@
       </p:sp>
       <p:sp>
         <p:nvSpPr>
-          <p:cNvPr id="3" name="Footer Placeholder 2"/>
+          <p:cNvPr id="8" name="Footer Placeholder 7"/>
           <p:cNvSpPr>
             <a:spLocks noGrp="1"/>
           </p:cNvSpPr>
@@ -2288,7 +2815,15 @@
         <p:spPr/>
         <p:txBody>
           <a:bodyPr/>
-          <a:lstStyle/>
+          <a:lstStyle>
+            <a:lvl1pPr>
+              <a:defRPr>
+                <a:solidFill>
+                  <a:srgbClr val="FFFFFF"/>
+                </a:solidFill>
+              </a:defRPr>
+            </a:lvl1pPr>
+          </a:lstStyle>
           <a:p>
             <a:endParaRPr lang="en-US"/>
           </a:p>
@@ -2296,7 +2831,7 @@
       </p:sp>
       <p:sp>
         <p:nvSpPr>
-          <p:cNvPr id="4" name="Slide Number Placeholder 3"/>
+          <p:cNvPr id="9" name="Slide Number Placeholder 8"/>
           <p:cNvSpPr>
             <a:spLocks noGrp="1"/>
           </p:cNvSpPr>
@@ -2320,7 +2855,7 @@
     </p:spTree>
     <p:extLst>
       <p:ext uri="{BB962C8B-B14F-4D97-AF65-F5344CB8AC3E}">
-        <p14:creationId xmlns:p14="http://schemas.microsoft.com/office/powerpoint/2010/main" val="978749632"/>
+        <p14:creationId xmlns:p14="http://schemas.microsoft.com/office/powerpoint/2010/main" val="1723687899"/>
       </p:ext>
     </p:extLst>
   </p:cSld>
@@ -2331,7 +2866,7 @@
 </file>
 
 <file path=ppt/slideLayouts/slideLayout8.xml><?xml version="1.0" encoding="utf-8"?>
-<p:sldLayout xmlns:a="http://schemas.openxmlformats.org/drawingml/2006/main" xmlns:r="http://schemas.openxmlformats.org/officeDocument/2006/relationships" xmlns:p="http://schemas.openxmlformats.org/presentationml/2006/main" type="objTx" preserve="1">
+<p:sldLayout xmlns:a="http://schemas.openxmlformats.org/drawingml/2006/main" xmlns:r="http://schemas.openxmlformats.org/officeDocument/2006/relationships" xmlns:p="http://schemas.openxmlformats.org/presentationml/2006/main" showMasterSp="0" type="objTx" preserve="1">
   <p:cSld name="Content with Caption">
     <p:spTree>
       <p:nvGrpSpPr>
@@ -2349,6 +2884,82 @@
       </p:grpSpPr>
       <p:sp>
         <p:nvSpPr>
+          <p:cNvPr id="8" name="Rectangle 7"/>
+          <p:cNvSpPr/>
+          <p:nvPr/>
+        </p:nvSpPr>
+        <p:spPr>
+          <a:xfrm>
+            <a:off x="16" y="0"/>
+            <a:ext cx="4050791" cy="6858000"/>
+          </a:xfrm>
+          <a:prstGeom prst="rect">
+            <a:avLst/>
+          </a:prstGeom>
+          <a:solidFill>
+            <a:schemeClr val="accent2"/>
+          </a:solidFill>
+          <a:ln>
+            <a:noFill/>
+          </a:ln>
+        </p:spPr>
+        <p:style>
+          <a:lnRef idx="2">
+            <a:schemeClr val="accent1">
+              <a:shade val="50000"/>
+            </a:schemeClr>
+          </a:lnRef>
+          <a:fillRef idx="1">
+            <a:schemeClr val="accent1"/>
+          </a:fillRef>
+          <a:effectRef idx="0">
+            <a:schemeClr val="accent1"/>
+          </a:effectRef>
+          <a:fontRef idx="minor">
+            <a:schemeClr val="lt1"/>
+          </a:fontRef>
+        </p:style>
+      </p:sp>
+      <p:sp>
+        <p:nvSpPr>
+          <p:cNvPr id="9" name="Rectangle 8"/>
+          <p:cNvSpPr/>
+          <p:nvPr/>
+        </p:nvSpPr>
+        <p:spPr>
+          <a:xfrm>
+            <a:off x="4040071" y="0"/>
+            <a:ext cx="64008" cy="6858000"/>
+          </a:xfrm>
+          <a:prstGeom prst="rect">
+            <a:avLst/>
+          </a:prstGeom>
+          <a:solidFill>
+            <a:schemeClr val="accent1"/>
+          </a:solidFill>
+          <a:ln>
+            <a:noFill/>
+          </a:ln>
+        </p:spPr>
+        <p:style>
+          <a:lnRef idx="2">
+            <a:schemeClr val="accent1">
+              <a:shade val="50000"/>
+            </a:schemeClr>
+          </a:lnRef>
+          <a:fillRef idx="1">
+            <a:schemeClr val="accent1"/>
+          </a:fillRef>
+          <a:effectRef idx="0">
+            <a:schemeClr val="accent1"/>
+          </a:effectRef>
+          <a:fontRef idx="minor">
+            <a:schemeClr val="lt1"/>
+          </a:fontRef>
+        </p:style>
+      </p:sp>
+      <p:sp>
+        <p:nvSpPr>
           <p:cNvPr id="2" name="Title 1"/>
           <p:cNvSpPr>
             <a:spLocks noGrp="1"/>
@@ -2359,15 +2970,21 @@
         </p:nvSpPr>
         <p:spPr>
           <a:xfrm>
-            <a:off x="839788" y="457200"/>
-            <a:ext cx="3932237" cy="1600200"/>
+            <a:off x="457200" y="594359"/>
+            <a:ext cx="3200400" cy="2286000"/>
           </a:xfrm>
         </p:spPr>
         <p:txBody>
-          <a:bodyPr anchor="b"/>
+          <a:bodyPr anchor="b">
+            <a:normAutofit/>
+          </a:bodyPr>
           <a:lstStyle>
             <a:lvl1pPr>
-              <a:defRPr sz="3200"/>
+              <a:defRPr sz="3600" b="0">
+                <a:solidFill>
+                  <a:srgbClr val="FFFFFF"/>
+                </a:solidFill>
+              </a:defRPr>
             </a:lvl1pPr>
           </a:lstStyle>
           <a:p>
@@ -2375,7 +2992,7 @@
               <a:rPr lang="en-US" smtClean="0"/>
               <a:t>Click to edit Master title style</a:t>
             </a:r>
-            <a:endParaRPr lang="en-US"/>
+            <a:endParaRPr lang="en-US" dirty="0"/>
           </a:p>
         </p:txBody>
       </p:sp>
@@ -2391,41 +3008,13 @@
         </p:nvSpPr>
         <p:spPr>
           <a:xfrm>
-            <a:off x="5183188" y="987425"/>
-            <a:ext cx="6172200" cy="4873625"/>
+            <a:off x="4800600" y="731520"/>
+            <a:ext cx="6492240" cy="5257800"/>
           </a:xfrm>
         </p:spPr>
         <p:txBody>
           <a:bodyPr/>
-          <a:lstStyle>
-            <a:lvl1pPr>
-              <a:defRPr sz="3200"/>
-            </a:lvl1pPr>
-            <a:lvl2pPr>
-              <a:defRPr sz="2800"/>
-            </a:lvl2pPr>
-            <a:lvl3pPr>
-              <a:defRPr sz="2400"/>
-            </a:lvl3pPr>
-            <a:lvl4pPr>
-              <a:defRPr sz="2000"/>
-            </a:lvl4pPr>
-            <a:lvl5pPr>
-              <a:defRPr sz="2000"/>
-            </a:lvl5pPr>
-            <a:lvl6pPr>
-              <a:defRPr sz="2000"/>
-            </a:lvl6pPr>
-            <a:lvl7pPr>
-              <a:defRPr sz="2000"/>
-            </a:lvl7pPr>
-            <a:lvl8pPr>
-              <a:defRPr sz="2000"/>
-            </a:lvl8pPr>
-            <a:lvl9pPr>
-              <a:defRPr sz="2000"/>
-            </a:lvl9pPr>
-          </a:lstStyle>
+          <a:lstStyle/>
           <a:p>
             <a:pPr lvl="0"/>
             <a:r>
@@ -2460,7 +3049,7 @@
               <a:rPr lang="en-US" smtClean="0"/>
               <a:t>Fifth level</a:t>
             </a:r>
-            <a:endParaRPr lang="en-US"/>
+            <a:endParaRPr lang="en-US" dirty="0"/>
           </a:p>
         </p:txBody>
       </p:sp>
@@ -2476,48 +3065,54 @@
         </p:nvSpPr>
         <p:spPr>
           <a:xfrm>
-            <a:off x="839788" y="2057400"/>
-            <a:ext cx="3932237" cy="3811588"/>
+            <a:off x="457200" y="2926080"/>
+            <a:ext cx="3200400" cy="3379124"/>
           </a:xfrm>
         </p:spPr>
         <p:txBody>
-          <a:bodyPr/>
+          <a:bodyPr lIns="91440" rIns="91440">
+            <a:normAutofit/>
+          </a:bodyPr>
           <a:lstStyle>
             <a:lvl1pPr marL="0" indent="0">
               <a:buNone/>
-              <a:defRPr sz="1600"/>
+              <a:defRPr sz="1500">
+                <a:solidFill>
+                  <a:srgbClr val="FFFFFF"/>
+                </a:solidFill>
+              </a:defRPr>
             </a:lvl1pPr>
             <a:lvl2pPr marL="457200" indent="0">
               <a:buNone/>
-              <a:defRPr sz="1400"/>
+              <a:defRPr sz="1200"/>
             </a:lvl2pPr>
             <a:lvl3pPr marL="914400" indent="0">
               <a:buNone/>
-              <a:defRPr sz="1200"/>
+              <a:defRPr sz="1000"/>
             </a:lvl3pPr>
             <a:lvl4pPr marL="1371600" indent="0">
               <a:buNone/>
-              <a:defRPr sz="1000"/>
+              <a:defRPr sz="900"/>
             </a:lvl4pPr>
             <a:lvl5pPr marL="1828800" indent="0">
               <a:buNone/>
-              <a:defRPr sz="1000"/>
+              <a:defRPr sz="900"/>
             </a:lvl5pPr>
             <a:lvl6pPr marL="2286000" indent="0">
               <a:buNone/>
-              <a:defRPr sz="1000"/>
+              <a:defRPr sz="900"/>
             </a:lvl6pPr>
             <a:lvl7pPr marL="2743200" indent="0">
               <a:buNone/>
-              <a:defRPr sz="1000"/>
+              <a:defRPr sz="900"/>
             </a:lvl7pPr>
             <a:lvl8pPr marL="3200400" indent="0">
               <a:buNone/>
-              <a:defRPr sz="1000"/>
+              <a:defRPr sz="900"/>
             </a:lvl8pPr>
             <a:lvl9pPr marL="3657600" indent="0">
               <a:buNone/>
-              <a:defRPr sz="1000"/>
+              <a:defRPr sz="900"/>
             </a:lvl9pPr>
           </a:lstStyle>
           <a:p>
@@ -2539,14 +3134,23 @@
             <p:ph type="dt" sz="half" idx="10"/>
           </p:nvPr>
         </p:nvSpPr>
-        <p:spPr/>
+        <p:spPr>
+          <a:xfrm>
+            <a:off x="465512" y="6459785"/>
+            <a:ext cx="2618510" cy="365125"/>
+          </a:xfrm>
+        </p:spPr>
         <p:txBody>
           <a:bodyPr/>
-          <a:lstStyle/>
+          <a:lstStyle>
+            <a:lvl1pPr algn="l">
+              <a:defRPr/>
+            </a:lvl1pPr>
+          </a:lstStyle>
           <a:p>
             <a:fld id="{CBE4B8D3-EA78-4A17-AD31-EB0210329725}" type="datetimeFigureOut">
               <a:rPr lang="en-US" smtClean="0"/>
-              <a:t>3/30/2020</a:t>
+              <a:t>4/7/2020</a:t>
             </a:fld>
             <a:endParaRPr lang="en-US"/>
           </a:p>
@@ -2562,10 +3166,23 @@
             <p:ph type="ftr" sz="quarter" idx="11"/>
           </p:nvPr>
         </p:nvSpPr>
-        <p:spPr/>
+        <p:spPr>
+          <a:xfrm>
+            <a:off x="4800600" y="6459785"/>
+            <a:ext cx="4648200" cy="365125"/>
+          </a:xfrm>
+        </p:spPr>
         <p:txBody>
           <a:bodyPr/>
-          <a:lstStyle/>
+          <a:lstStyle>
+            <a:lvl1pPr algn="l">
+              <a:defRPr>
+                <a:solidFill>
+                  <a:schemeClr val="tx2"/>
+                </a:solidFill>
+              </a:defRPr>
+            </a:lvl1pPr>
+          </a:lstStyle>
           <a:p>
             <a:endParaRPr lang="en-US"/>
           </a:p>
@@ -2584,7 +3201,15 @@
         <p:spPr/>
         <p:txBody>
           <a:bodyPr/>
-          <a:lstStyle/>
+          <a:lstStyle>
+            <a:lvl1pPr>
+              <a:defRPr>
+                <a:solidFill>
+                  <a:schemeClr val="tx2"/>
+                </a:solidFill>
+              </a:defRPr>
+            </a:lvl1pPr>
+          </a:lstStyle>
           <a:p>
             <a:fld id="{54419ED9-8351-4622-9326-F40466A8336F}" type="slidenum">
               <a:rPr lang="en-US" smtClean="0"/>
@@ -2597,7 +3222,7 @@
     </p:spTree>
     <p:extLst>
       <p:ext uri="{BB962C8B-B14F-4D97-AF65-F5344CB8AC3E}">
-        <p14:creationId xmlns:p14="http://schemas.microsoft.com/office/powerpoint/2010/main" val="3157808674"/>
+        <p14:creationId xmlns:p14="http://schemas.microsoft.com/office/powerpoint/2010/main" val="2761490210"/>
       </p:ext>
     </p:extLst>
   </p:cSld>
@@ -2608,7 +3233,7 @@
 </file>
 
 <file path=ppt/slideLayouts/slideLayout9.xml><?xml version="1.0" encoding="utf-8"?>
-<p:sldLayout xmlns:a="http://schemas.openxmlformats.org/drawingml/2006/main" xmlns:r="http://schemas.openxmlformats.org/officeDocument/2006/relationships" xmlns:p="http://schemas.openxmlformats.org/presentationml/2006/main" type="picTx" preserve="1">
+<p:sldLayout xmlns:a="http://schemas.openxmlformats.org/drawingml/2006/main" xmlns:r="http://schemas.openxmlformats.org/officeDocument/2006/relationships" xmlns:p="http://schemas.openxmlformats.org/presentationml/2006/main" showMasterSp="0" type="picTx" preserve="1">
   <p:cSld name="Picture with Caption">
     <p:spTree>
       <p:nvGrpSpPr>
@@ -2626,6 +3251,82 @@
       </p:grpSpPr>
       <p:sp>
         <p:nvSpPr>
+          <p:cNvPr id="8" name="Rectangle 7"/>
+          <p:cNvSpPr/>
+          <p:nvPr/>
+        </p:nvSpPr>
+        <p:spPr>
+          <a:xfrm>
+            <a:off x="0" y="4953000"/>
+            <a:ext cx="12188825" cy="1905000"/>
+          </a:xfrm>
+          <a:prstGeom prst="rect">
+            <a:avLst/>
+          </a:prstGeom>
+          <a:solidFill>
+            <a:schemeClr val="accent2"/>
+          </a:solidFill>
+          <a:ln>
+            <a:noFill/>
+          </a:ln>
+        </p:spPr>
+        <p:style>
+          <a:lnRef idx="2">
+            <a:schemeClr val="accent1">
+              <a:shade val="50000"/>
+            </a:schemeClr>
+          </a:lnRef>
+          <a:fillRef idx="1">
+            <a:schemeClr val="accent1"/>
+          </a:fillRef>
+          <a:effectRef idx="0">
+            <a:schemeClr val="accent1"/>
+          </a:effectRef>
+          <a:fontRef idx="minor">
+            <a:schemeClr val="lt1"/>
+          </a:fontRef>
+        </p:style>
+      </p:sp>
+      <p:sp>
+        <p:nvSpPr>
+          <p:cNvPr id="9" name="Rectangle 8"/>
+          <p:cNvSpPr/>
+          <p:nvPr/>
+        </p:nvSpPr>
+        <p:spPr>
+          <a:xfrm>
+            <a:off x="15" y="4915076"/>
+            <a:ext cx="12188825" cy="64008"/>
+          </a:xfrm>
+          <a:prstGeom prst="rect">
+            <a:avLst/>
+          </a:prstGeom>
+          <a:solidFill>
+            <a:schemeClr val="accent1"/>
+          </a:solidFill>
+          <a:ln>
+            <a:noFill/>
+          </a:ln>
+        </p:spPr>
+        <p:style>
+          <a:lnRef idx="2">
+            <a:schemeClr val="accent1">
+              <a:shade val="50000"/>
+            </a:schemeClr>
+          </a:lnRef>
+          <a:fillRef idx="1">
+            <a:schemeClr val="accent1"/>
+          </a:fillRef>
+          <a:effectRef idx="0">
+            <a:schemeClr val="accent1"/>
+          </a:effectRef>
+          <a:fontRef idx="minor">
+            <a:schemeClr val="lt1"/>
+          </a:fontRef>
+        </p:style>
+      </p:sp>
+      <p:sp>
+        <p:nvSpPr>
           <p:cNvPr id="2" name="Title 1"/>
           <p:cNvSpPr>
             <a:spLocks noGrp="1"/>
@@ -2636,15 +3337,21 @@
         </p:nvSpPr>
         <p:spPr>
           <a:xfrm>
-            <a:off x="839788" y="457200"/>
-            <a:ext cx="3932237" cy="1600200"/>
+            <a:off x="1097280" y="5074920"/>
+            <a:ext cx="10113264" cy="822960"/>
           </a:xfrm>
         </p:spPr>
         <p:txBody>
-          <a:bodyPr anchor="b"/>
+          <a:bodyPr lIns="91440" tIns="0" rIns="91440" bIns="0" anchor="b">
+            <a:noAutofit/>
+          </a:bodyPr>
           <a:lstStyle>
             <a:lvl1pPr>
-              <a:defRPr sz="3200"/>
+              <a:defRPr sz="3600" b="0">
+                <a:solidFill>
+                  <a:srgbClr val="FFFFFF"/>
+                </a:solidFill>
+              </a:defRPr>
             </a:lvl1pPr>
           </a:lstStyle>
           <a:p>
@@ -2652,7 +3359,7 @@
               <a:rPr lang="en-US" smtClean="0"/>
               <a:t>Click to edit Master title style</a:t>
             </a:r>
-            <a:endParaRPr lang="en-US"/>
+            <a:endParaRPr lang="en-US" dirty="0"/>
           </a:p>
         </p:txBody>
       </p:sp>
@@ -2660,7 +3367,7 @@
         <p:nvSpPr>
           <p:cNvPr id="3" name="Picture Placeholder 2"/>
           <p:cNvSpPr>
-            <a:spLocks noGrp="1"/>
+            <a:spLocks noGrp="1" noChangeAspect="1"/>
           </p:cNvSpPr>
           <p:nvPr>
             <p:ph type="pic" idx="1"/>
@@ -2668,16 +3375,26 @@
         </p:nvSpPr>
         <p:spPr>
           <a:xfrm>
-            <a:off x="5183188" y="987425"/>
-            <a:ext cx="6172200" cy="4873625"/>
+            <a:off x="15" y="0"/>
+            <a:ext cx="12191985" cy="4915076"/>
           </a:xfrm>
+          <a:blipFill>
+            <a:blip r:embed="rId2"/>
+            <a:stretch>
+              <a:fillRect/>
+            </a:stretch>
+          </a:blipFill>
         </p:spPr>
         <p:txBody>
-          <a:bodyPr/>
+          <a:bodyPr lIns="457200" tIns="457200" anchor="t"/>
           <a:lstStyle>
             <a:lvl1pPr marL="0" indent="0">
               <a:buNone/>
-              <a:defRPr sz="3200"/>
+              <a:defRPr sz="3200">
+                <a:solidFill>
+                  <a:schemeClr val="bg1"/>
+                </a:solidFill>
+              </a:defRPr>
             </a:lvl1pPr>
             <a:lvl2pPr marL="457200" indent="0">
               <a:buNone/>
@@ -2713,7 +3430,11 @@
             </a:lvl9pPr>
           </a:lstStyle>
           <a:p>
-            <a:endParaRPr lang="en-US"/>
+            <a:r>
+              <a:rPr lang="en-US" smtClean="0"/>
+              <a:t>Click icon to add picture</a:t>
+            </a:r>
+            <a:endParaRPr lang="en-US" dirty="0"/>
           </a:p>
         </p:txBody>
       </p:sp>
@@ -2729,48 +3450,60 @@
         </p:nvSpPr>
         <p:spPr>
           <a:xfrm>
-            <a:off x="839788" y="2057400"/>
-            <a:ext cx="3932237" cy="3811588"/>
+            <a:off x="1097280" y="5907023"/>
+            <a:ext cx="10113264" cy="594360"/>
           </a:xfrm>
         </p:spPr>
         <p:txBody>
-          <a:bodyPr/>
+          <a:bodyPr lIns="91440" tIns="0" rIns="91440" bIns="0">
+            <a:normAutofit/>
+          </a:bodyPr>
           <a:lstStyle>
             <a:lvl1pPr marL="0" indent="0">
+              <a:spcBef>
+                <a:spcPts val="0"/>
+              </a:spcBef>
+              <a:spcAft>
+                <a:spcPts val="600"/>
+              </a:spcAft>
               <a:buNone/>
-              <a:defRPr sz="1600"/>
+              <a:defRPr sz="1500">
+                <a:solidFill>
+                  <a:srgbClr val="FFFFFF"/>
+                </a:solidFill>
+              </a:defRPr>
             </a:lvl1pPr>
             <a:lvl2pPr marL="457200" indent="0">
               <a:buNone/>
-              <a:defRPr sz="1400"/>
+              <a:defRPr sz="1200"/>
             </a:lvl2pPr>
             <a:lvl3pPr marL="914400" indent="0">
               <a:buNone/>
-              <a:defRPr sz="1200"/>
+              <a:defRPr sz="1000"/>
             </a:lvl3pPr>
             <a:lvl4pPr marL="1371600" indent="0">
               <a:buNone/>
-              <a:defRPr sz="1000"/>
+              <a:defRPr sz="900"/>
             </a:lvl4pPr>
             <a:lvl5pPr marL="1828800" indent="0">
               <a:buNone/>
-              <a:defRPr sz="1000"/>
+              <a:defRPr sz="900"/>
             </a:lvl5pPr>
             <a:lvl6pPr marL="2286000" indent="0">
               <a:buNone/>
-              <a:defRPr sz="1000"/>
+              <a:defRPr sz="900"/>
             </a:lvl6pPr>
             <a:lvl7pPr marL="2743200" indent="0">
               <a:buNone/>
-              <a:defRPr sz="1000"/>
+              <a:defRPr sz="900"/>
             </a:lvl7pPr>
             <a:lvl8pPr marL="3200400" indent="0">
               <a:buNone/>
-              <a:defRPr sz="1000"/>
+              <a:defRPr sz="900"/>
             </a:lvl8pPr>
             <a:lvl9pPr marL="3657600" indent="0">
               <a:buNone/>
-              <a:defRPr sz="1000"/>
+              <a:defRPr sz="900"/>
             </a:lvl9pPr>
           </a:lstStyle>
           <a:p>
@@ -2799,7 +3532,7 @@
           <a:p>
             <a:fld id="{CBE4B8D3-EA78-4A17-AD31-EB0210329725}" type="datetimeFigureOut">
               <a:rPr lang="en-US" smtClean="0"/>
-              <a:t>3/30/2020</a:t>
+              <a:t>4/7/2020</a:t>
             </a:fld>
             <a:endParaRPr lang="en-US"/>
           </a:p>
@@ -2850,7 +3583,7 @@
     </p:spTree>
     <p:extLst>
       <p:ext uri="{BB962C8B-B14F-4D97-AF65-F5344CB8AC3E}">
-        <p14:creationId xmlns:p14="http://schemas.microsoft.com/office/powerpoint/2010/main" val="1060311337"/>
+        <p14:creationId xmlns:p14="http://schemas.microsoft.com/office/powerpoint/2010/main" val="2784395010"/>
       </p:ext>
     </p:extLst>
   </p:cSld>
@@ -2884,6 +3617,82 @@
       </p:grpSpPr>
       <p:sp>
         <p:nvSpPr>
+          <p:cNvPr id="7" name="Rectangle 6"/>
+          <p:cNvSpPr/>
+          <p:nvPr/>
+        </p:nvSpPr>
+        <p:spPr>
+          <a:xfrm>
+            <a:off x="1" y="6400800"/>
+            <a:ext cx="12192000" cy="457200"/>
+          </a:xfrm>
+          <a:prstGeom prst="rect">
+            <a:avLst/>
+          </a:prstGeom>
+          <a:solidFill>
+            <a:schemeClr val="accent2"/>
+          </a:solidFill>
+          <a:ln>
+            <a:noFill/>
+          </a:ln>
+        </p:spPr>
+        <p:style>
+          <a:lnRef idx="2">
+            <a:schemeClr val="accent1">
+              <a:shade val="50000"/>
+            </a:schemeClr>
+          </a:lnRef>
+          <a:fillRef idx="1">
+            <a:schemeClr val="accent1"/>
+          </a:fillRef>
+          <a:effectRef idx="0">
+            <a:schemeClr val="accent1"/>
+          </a:effectRef>
+          <a:fontRef idx="minor">
+            <a:schemeClr val="lt1"/>
+          </a:fontRef>
+        </p:style>
+      </p:sp>
+      <p:sp>
+        <p:nvSpPr>
+          <p:cNvPr id="9" name="Rectangle 8"/>
+          <p:cNvSpPr/>
+          <p:nvPr/>
+        </p:nvSpPr>
+        <p:spPr>
+          <a:xfrm>
+            <a:off x="0" y="6334316"/>
+            <a:ext cx="12192001" cy="65998"/>
+          </a:xfrm>
+          <a:prstGeom prst="rect">
+            <a:avLst/>
+          </a:prstGeom>
+          <a:solidFill>
+            <a:schemeClr val="accent1"/>
+          </a:solidFill>
+          <a:ln>
+            <a:noFill/>
+          </a:ln>
+        </p:spPr>
+        <p:style>
+          <a:lnRef idx="2">
+            <a:schemeClr val="accent1">
+              <a:shade val="50000"/>
+            </a:schemeClr>
+          </a:lnRef>
+          <a:fillRef idx="1">
+            <a:schemeClr val="accent1"/>
+          </a:fillRef>
+          <a:effectRef idx="0">
+            <a:schemeClr val="accent1"/>
+          </a:effectRef>
+          <a:fontRef idx="minor">
+            <a:schemeClr val="lt1"/>
+          </a:fontRef>
+        </p:style>
+      </p:sp>
+      <p:sp>
+        <p:nvSpPr>
           <p:cNvPr id="2" name="Title Placeholder 1"/>
           <p:cNvSpPr>
             <a:spLocks noGrp="1"/>
@@ -2894,15 +3703,15 @@
         </p:nvSpPr>
         <p:spPr>
           <a:xfrm>
-            <a:off x="838200" y="365125"/>
-            <a:ext cx="10515600" cy="1325563"/>
+            <a:off x="1097280" y="286603"/>
+            <a:ext cx="10058400" cy="1450757"/>
           </a:xfrm>
           <a:prstGeom prst="rect">
             <a:avLst/>
           </a:prstGeom>
         </p:spPr>
         <p:txBody>
-          <a:bodyPr vert="horz" lIns="91440" tIns="45720" rIns="91440" bIns="45720" rtlCol="0" anchor="ctr">
+          <a:bodyPr vert="horz" lIns="91440" tIns="45720" rIns="91440" bIns="45720" rtlCol="0" anchor="b">
             <a:normAutofit/>
           </a:bodyPr>
           <a:lstStyle/>
@@ -2911,7 +3720,7 @@
               <a:rPr lang="en-US" smtClean="0"/>
               <a:t>Click to edit Master title style</a:t>
             </a:r>
-            <a:endParaRPr lang="en-US"/>
+            <a:endParaRPr lang="en-US" dirty="0"/>
           </a:p>
         </p:txBody>
       </p:sp>
@@ -2927,15 +3736,15 @@
         </p:nvSpPr>
         <p:spPr>
           <a:xfrm>
-            <a:off x="838200" y="1825625"/>
-            <a:ext cx="10515600" cy="4351338"/>
+            <a:off x="1097280" y="1845734"/>
+            <a:ext cx="10058400" cy="4023360"/>
           </a:xfrm>
           <a:prstGeom prst="rect">
             <a:avLst/>
           </a:prstGeom>
         </p:spPr>
         <p:txBody>
-          <a:bodyPr vert="horz" lIns="91440" tIns="45720" rIns="91440" bIns="45720" rtlCol="0">
+          <a:bodyPr vert="horz" lIns="0" tIns="45720" rIns="0" bIns="45720" rtlCol="0">
             <a:normAutofit/>
           </a:bodyPr>
           <a:lstStyle/>
@@ -2973,7 +3782,7 @@
               <a:rPr lang="en-US" smtClean="0"/>
               <a:t>Fifth level</a:t>
             </a:r>
-            <a:endParaRPr lang="en-US"/>
+            <a:endParaRPr lang="en-US" dirty="0"/>
           </a:p>
         </p:txBody>
       </p:sp>
@@ -2989,8 +3798,8 @@
         </p:nvSpPr>
         <p:spPr>
           <a:xfrm>
-            <a:off x="838200" y="6356350"/>
-            <a:ext cx="2743200" cy="365125"/>
+            <a:off x="1097280" y="6459785"/>
+            <a:ext cx="2472271" cy="365125"/>
           </a:xfrm>
           <a:prstGeom prst="rect">
             <a:avLst/>
@@ -3000,11 +3809,9 @@
           <a:bodyPr vert="horz" lIns="91440" tIns="45720" rIns="91440" bIns="45720" rtlCol="0" anchor="ctr"/>
           <a:lstStyle>
             <a:lvl1pPr algn="l">
-              <a:defRPr sz="1200">
+              <a:defRPr sz="900">
                 <a:solidFill>
-                  <a:schemeClr val="tx1">
-                    <a:tint val="75000"/>
-                  </a:schemeClr>
+                  <a:srgbClr val="FFFFFF"/>
                 </a:solidFill>
               </a:defRPr>
             </a:lvl1pPr>
@@ -3012,7 +3819,7 @@
           <a:p>
             <a:fld id="{CBE4B8D3-EA78-4A17-AD31-EB0210329725}" type="datetimeFigureOut">
               <a:rPr lang="en-US" smtClean="0"/>
-              <a:t>3/30/2020</a:t>
+              <a:t>4/7/2020</a:t>
             </a:fld>
             <a:endParaRPr lang="en-US"/>
           </a:p>
@@ -3030,8 +3837,8 @@
         </p:nvSpPr>
         <p:spPr>
           <a:xfrm>
-            <a:off x="4038600" y="6356350"/>
-            <a:ext cx="4114800" cy="365125"/>
+            <a:off x="3686185" y="6459785"/>
+            <a:ext cx="4822804" cy="365125"/>
           </a:xfrm>
           <a:prstGeom prst="rect">
             <a:avLst/>
@@ -3041,11 +3848,9 @@
           <a:bodyPr vert="horz" lIns="91440" tIns="45720" rIns="91440" bIns="45720" rtlCol="0" anchor="ctr"/>
           <a:lstStyle>
             <a:lvl1pPr algn="ctr">
-              <a:defRPr sz="1200">
+              <a:defRPr sz="900" cap="all" baseline="0">
                 <a:solidFill>
-                  <a:schemeClr val="tx1">
-                    <a:tint val="75000"/>
-                  </a:schemeClr>
+                  <a:srgbClr val="FFFFFF"/>
                 </a:solidFill>
               </a:defRPr>
             </a:lvl1pPr>
@@ -3067,8 +3872,8 @@
         </p:nvSpPr>
         <p:spPr>
           <a:xfrm>
-            <a:off x="8610600" y="6356350"/>
-            <a:ext cx="2743200" cy="365125"/>
+            <a:off x="9900458" y="6459785"/>
+            <a:ext cx="1312025" cy="365125"/>
           </a:xfrm>
           <a:prstGeom prst="rect">
             <a:avLst/>
@@ -3078,11 +3883,9 @@
           <a:bodyPr vert="horz" lIns="91440" tIns="45720" rIns="91440" bIns="45720" rtlCol="0" anchor="ctr"/>
           <a:lstStyle>
             <a:lvl1pPr algn="r">
-              <a:defRPr sz="1200">
+              <a:defRPr sz="1050">
                 <a:solidFill>
-                  <a:schemeClr val="tx1">
-                    <a:tint val="75000"/>
-                  </a:schemeClr>
+                  <a:srgbClr val="FFFFFF"/>
                 </a:solidFill>
               </a:defRPr>
             </a:lvl1pPr>
@@ -3096,40 +3899,81 @@
           </a:p>
         </p:txBody>
       </p:sp>
+      <p:cxnSp>
+        <p:nvCxnSpPr>
+          <p:cNvPr id="10" name="Straight Connector 9"/>
+          <p:cNvCxnSpPr/>
+          <p:nvPr/>
+        </p:nvCxnSpPr>
+        <p:spPr>
+          <a:xfrm>
+            <a:off x="1193532" y="1737845"/>
+            <a:ext cx="9966960" cy="0"/>
+          </a:xfrm>
+          <a:prstGeom prst="line">
+            <a:avLst/>
+          </a:prstGeom>
+          <a:ln w="6350">
+            <a:solidFill>
+              <a:schemeClr val="tx1">
+                <a:lumMod val="50000"/>
+                <a:lumOff val="50000"/>
+              </a:schemeClr>
+            </a:solidFill>
+          </a:ln>
+        </p:spPr>
+        <p:style>
+          <a:lnRef idx="1">
+            <a:schemeClr val="accent1"/>
+          </a:lnRef>
+          <a:fillRef idx="0">
+            <a:schemeClr val="accent1"/>
+          </a:fillRef>
+          <a:effectRef idx="0">
+            <a:schemeClr val="accent1"/>
+          </a:effectRef>
+          <a:fontRef idx="minor">
+            <a:schemeClr val="tx1"/>
+          </a:fontRef>
+        </p:style>
+      </p:cxnSp>
     </p:spTree>
     <p:extLst>
       <p:ext uri="{BB962C8B-B14F-4D97-AF65-F5344CB8AC3E}">
-        <p14:creationId xmlns:p14="http://schemas.microsoft.com/office/powerpoint/2010/main" val="3009687264"/>
+        <p14:creationId xmlns:p14="http://schemas.microsoft.com/office/powerpoint/2010/main" val="559079281"/>
       </p:ext>
     </p:extLst>
   </p:cSld>
   <p:clrMap bg1="lt1" tx1="dk1" bg2="lt2" tx2="dk2" accent1="accent1" accent2="accent2" accent3="accent3" accent4="accent4" accent5="accent5" accent6="accent6" hlink="hlink" folHlink="folHlink"/>
   <p:sldLayoutIdLst>
-    <p:sldLayoutId id="2147483649" r:id="rId1"/>
-    <p:sldLayoutId id="2147483650" r:id="rId2"/>
-    <p:sldLayoutId id="2147483651" r:id="rId3"/>
-    <p:sldLayoutId id="2147483652" r:id="rId4"/>
-    <p:sldLayoutId id="2147483653" r:id="rId5"/>
-    <p:sldLayoutId id="2147483654" r:id="rId6"/>
-    <p:sldLayoutId id="2147483655" r:id="rId7"/>
-    <p:sldLayoutId id="2147483656" r:id="rId8"/>
-    <p:sldLayoutId id="2147483657" r:id="rId9"/>
-    <p:sldLayoutId id="2147483658" r:id="rId10"/>
-    <p:sldLayoutId id="2147483659" r:id="rId11"/>
+    <p:sldLayoutId id="2147483661" r:id="rId1"/>
+    <p:sldLayoutId id="2147483662" r:id="rId2"/>
+    <p:sldLayoutId id="2147483663" r:id="rId3"/>
+    <p:sldLayoutId id="2147483664" r:id="rId4"/>
+    <p:sldLayoutId id="2147483665" r:id="rId5"/>
+    <p:sldLayoutId id="2147483666" r:id="rId6"/>
+    <p:sldLayoutId id="2147483667" r:id="rId7"/>
+    <p:sldLayoutId id="2147483668" r:id="rId8"/>
+    <p:sldLayoutId id="2147483669" r:id="rId9"/>
+    <p:sldLayoutId id="2147483670" r:id="rId10"/>
+    <p:sldLayoutId id="2147483671" r:id="rId11"/>
   </p:sldLayoutIdLst>
   <p:txStyles>
     <p:titleStyle>
       <a:lvl1pPr algn="l" defTabSz="914400" rtl="0" eaLnBrk="1" latinLnBrk="0" hangingPunct="1">
         <a:lnSpc>
-          <a:spcPct val="90000"/>
+          <a:spcPct val="85000"/>
         </a:lnSpc>
         <a:spcBef>
           <a:spcPct val="0"/>
         </a:spcBef>
         <a:buNone/>
-        <a:defRPr sz="4400" kern="1200">
+        <a:defRPr sz="4800" kern="1200" spc="-50" baseline="0">
           <a:solidFill>
-            <a:schemeClr val="tx1"/>
+            <a:schemeClr val="tx1">
+              <a:lumMod val="75000"/>
+              <a:lumOff val="25000"/>
+            </a:schemeClr>
           </a:solidFill>
           <a:latin typeface="+mj-lt"/>
           <a:ea typeface="+mj-ea"/>
@@ -3138,162 +3982,244 @@
       </a:lvl1pPr>
     </p:titleStyle>
     <p:bodyStyle>
-      <a:lvl1pPr marL="228600" indent="-228600" algn="l" defTabSz="914400" rtl="0" eaLnBrk="1" latinLnBrk="0" hangingPunct="1">
+      <a:lvl1pPr marL="91440" indent="-91440" algn="l" defTabSz="914400" rtl="0" eaLnBrk="1" latinLnBrk="0" hangingPunct="1">
         <a:lnSpc>
           <a:spcPct val="90000"/>
         </a:lnSpc>
         <a:spcBef>
-          <a:spcPts val="1000"/>
+          <a:spcPts val="1200"/>
         </a:spcBef>
-        <a:buFont typeface="Arial" panose="020B0604020202020204" pitchFamily="34" charset="0"/>
-        <a:buChar char="•"/>
-        <a:defRPr sz="2800" kern="1200">
+        <a:spcAft>
+          <a:spcPts val="200"/>
+        </a:spcAft>
+        <a:buClr>
+          <a:schemeClr val="accent1"/>
+        </a:buClr>
+        <a:buSzPct val="100000"/>
+        <a:buFont typeface="Calibri" panose="020F0502020204030204" pitchFamily="34" charset="0"/>
+        <a:buChar char=" "/>
+        <a:defRPr sz="2000" kern="1200">
           <a:solidFill>
-            <a:schemeClr val="tx1"/>
+            <a:schemeClr val="tx1">
+              <a:lumMod val="75000"/>
+              <a:lumOff val="25000"/>
+            </a:schemeClr>
           </a:solidFill>
           <a:latin typeface="+mn-lt"/>
           <a:ea typeface="+mn-ea"/>
           <a:cs typeface="+mn-cs"/>
         </a:defRPr>
       </a:lvl1pPr>
-      <a:lvl2pPr marL="685800" indent="-228600" algn="l" defTabSz="914400" rtl="0" eaLnBrk="1" latinLnBrk="0" hangingPunct="1">
+      <a:lvl2pPr marL="384048" indent="-182880" algn="l" defTabSz="914400" rtl="0" eaLnBrk="1" latinLnBrk="0" hangingPunct="1">
         <a:lnSpc>
           <a:spcPct val="90000"/>
         </a:lnSpc>
         <a:spcBef>
-          <a:spcPts val="500"/>
+          <a:spcPts val="200"/>
         </a:spcBef>
-        <a:buFont typeface="Arial" panose="020B0604020202020204" pitchFamily="34" charset="0"/>
-        <a:buChar char="•"/>
-        <a:defRPr sz="2400" kern="1200">
+        <a:spcAft>
+          <a:spcPts val="400"/>
+        </a:spcAft>
+        <a:buClr>
+          <a:schemeClr val="accent1"/>
+        </a:buClr>
+        <a:buFont typeface="Calibri" pitchFamily="34" charset="0"/>
+        <a:buChar char="◦"/>
+        <a:defRPr sz="1800" kern="1200">
           <a:solidFill>
-            <a:schemeClr val="tx1"/>
+            <a:schemeClr val="tx1">
+              <a:lumMod val="75000"/>
+              <a:lumOff val="25000"/>
+            </a:schemeClr>
           </a:solidFill>
           <a:latin typeface="+mn-lt"/>
           <a:ea typeface="+mn-ea"/>
           <a:cs typeface="+mn-cs"/>
         </a:defRPr>
       </a:lvl2pPr>
-      <a:lvl3pPr marL="1143000" indent="-228600" algn="l" defTabSz="914400" rtl="0" eaLnBrk="1" latinLnBrk="0" hangingPunct="1">
+      <a:lvl3pPr marL="566928" indent="-182880" algn="l" defTabSz="914400" rtl="0" eaLnBrk="1" latinLnBrk="0" hangingPunct="1">
         <a:lnSpc>
           <a:spcPct val="90000"/>
         </a:lnSpc>
         <a:spcBef>
-          <a:spcPts val="500"/>
+          <a:spcPts val="200"/>
         </a:spcBef>
-        <a:buFont typeface="Arial" panose="020B0604020202020204" pitchFamily="34" charset="0"/>
-        <a:buChar char="•"/>
-        <a:defRPr sz="2000" kern="1200">
+        <a:spcAft>
+          <a:spcPts val="400"/>
+        </a:spcAft>
+        <a:buClr>
+          <a:schemeClr val="accent1"/>
+        </a:buClr>
+        <a:buFont typeface="Calibri" pitchFamily="34" charset="0"/>
+        <a:buChar char="◦"/>
+        <a:defRPr sz="1400" kern="1200">
           <a:solidFill>
-            <a:schemeClr val="tx1"/>
+            <a:schemeClr val="tx1">
+              <a:lumMod val="75000"/>
+              <a:lumOff val="25000"/>
+            </a:schemeClr>
           </a:solidFill>
           <a:latin typeface="+mn-lt"/>
           <a:ea typeface="+mn-ea"/>
           <a:cs typeface="+mn-cs"/>
         </a:defRPr>
       </a:lvl3pPr>
-      <a:lvl4pPr marL="1600200" indent="-228600" algn="l" defTabSz="914400" rtl="0" eaLnBrk="1" latinLnBrk="0" hangingPunct="1">
+      <a:lvl4pPr marL="749808" indent="-182880" algn="l" defTabSz="914400" rtl="0" eaLnBrk="1" latinLnBrk="0" hangingPunct="1">
         <a:lnSpc>
           <a:spcPct val="90000"/>
         </a:lnSpc>
         <a:spcBef>
-          <a:spcPts val="500"/>
+          <a:spcPts val="200"/>
         </a:spcBef>
-        <a:buFont typeface="Arial" panose="020B0604020202020204" pitchFamily="34" charset="0"/>
-        <a:buChar char="•"/>
-        <a:defRPr sz="1800" kern="1200">
+        <a:spcAft>
+          <a:spcPts val="400"/>
+        </a:spcAft>
+        <a:buClr>
+          <a:schemeClr val="accent1"/>
+        </a:buClr>
+        <a:buFont typeface="Calibri" pitchFamily="34" charset="0"/>
+        <a:buChar char="◦"/>
+        <a:defRPr sz="1400" kern="1200">
           <a:solidFill>
-            <a:schemeClr val="tx1"/>
+            <a:schemeClr val="tx1">
+              <a:lumMod val="75000"/>
+              <a:lumOff val="25000"/>
+            </a:schemeClr>
           </a:solidFill>
           <a:latin typeface="+mn-lt"/>
           <a:ea typeface="+mn-ea"/>
           <a:cs typeface="+mn-cs"/>
         </a:defRPr>
       </a:lvl4pPr>
-      <a:lvl5pPr marL="2057400" indent="-228600" algn="l" defTabSz="914400" rtl="0" eaLnBrk="1" latinLnBrk="0" hangingPunct="1">
+      <a:lvl5pPr marL="932688" indent="-182880" algn="l" defTabSz="914400" rtl="0" eaLnBrk="1" latinLnBrk="0" hangingPunct="1">
         <a:lnSpc>
           <a:spcPct val="90000"/>
         </a:lnSpc>
         <a:spcBef>
-          <a:spcPts val="500"/>
+          <a:spcPts val="200"/>
         </a:spcBef>
-        <a:buFont typeface="Arial" panose="020B0604020202020204" pitchFamily="34" charset="0"/>
-        <a:buChar char="•"/>
-        <a:defRPr sz="1800" kern="1200">
+        <a:spcAft>
+          <a:spcPts val="400"/>
+        </a:spcAft>
+        <a:buClr>
+          <a:schemeClr val="accent1"/>
+        </a:buClr>
+        <a:buFont typeface="Calibri" pitchFamily="34" charset="0"/>
+        <a:buChar char="◦"/>
+        <a:defRPr sz="1400" kern="1200">
           <a:solidFill>
-            <a:schemeClr val="tx1"/>
+            <a:schemeClr val="tx1">
+              <a:lumMod val="75000"/>
+              <a:lumOff val="25000"/>
+            </a:schemeClr>
           </a:solidFill>
           <a:latin typeface="+mn-lt"/>
           <a:ea typeface="+mn-ea"/>
           <a:cs typeface="+mn-cs"/>
         </a:defRPr>
       </a:lvl5pPr>
-      <a:lvl6pPr marL="2514600" indent="-228600" algn="l" defTabSz="914400" rtl="0" eaLnBrk="1" latinLnBrk="0" hangingPunct="1">
+      <a:lvl6pPr marL="1100000" indent="-228600" algn="l" defTabSz="914400" rtl="0" eaLnBrk="1" latinLnBrk="0" hangingPunct="1">
         <a:lnSpc>
           <a:spcPct val="90000"/>
         </a:lnSpc>
         <a:spcBef>
-          <a:spcPts val="500"/>
+          <a:spcPts val="200"/>
         </a:spcBef>
-        <a:buFont typeface="Arial" panose="020B0604020202020204" pitchFamily="34" charset="0"/>
-        <a:buChar char="•"/>
-        <a:defRPr sz="1800" kern="1200">
+        <a:spcAft>
+          <a:spcPts val="400"/>
+        </a:spcAft>
+        <a:buClr>
+          <a:schemeClr val="accent1"/>
+        </a:buClr>
+        <a:buFont typeface="Calibri" pitchFamily="34" charset="0"/>
+        <a:buChar char="◦"/>
+        <a:defRPr sz="1400" kern="1200">
           <a:solidFill>
-            <a:schemeClr val="tx1"/>
+            <a:schemeClr val="tx1">
+              <a:lumMod val="75000"/>
+              <a:lumOff val="25000"/>
+            </a:schemeClr>
           </a:solidFill>
           <a:latin typeface="+mn-lt"/>
           <a:ea typeface="+mn-ea"/>
           <a:cs typeface="+mn-cs"/>
         </a:defRPr>
       </a:lvl6pPr>
-      <a:lvl7pPr marL="2971800" indent="-228600" algn="l" defTabSz="914400" rtl="0" eaLnBrk="1" latinLnBrk="0" hangingPunct="1">
+      <a:lvl7pPr marL="1300000" indent="-228600" algn="l" defTabSz="914400" rtl="0" eaLnBrk="1" latinLnBrk="0" hangingPunct="1">
         <a:lnSpc>
           <a:spcPct val="90000"/>
         </a:lnSpc>
         <a:spcBef>
-          <a:spcPts val="500"/>
+          <a:spcPts val="200"/>
         </a:spcBef>
-        <a:buFont typeface="Arial" panose="020B0604020202020204" pitchFamily="34" charset="0"/>
-        <a:buChar char="•"/>
-        <a:defRPr sz="1800" kern="1200">
+        <a:spcAft>
+          <a:spcPts val="400"/>
+        </a:spcAft>
+        <a:buClr>
+          <a:schemeClr val="accent1"/>
+        </a:buClr>
+        <a:buFont typeface="Calibri" pitchFamily="34" charset="0"/>
+        <a:buChar char="◦"/>
+        <a:defRPr sz="1400" kern="1200">
           <a:solidFill>
-            <a:schemeClr val="tx1"/>
+            <a:schemeClr val="tx1">
+              <a:lumMod val="75000"/>
+              <a:lumOff val="25000"/>
+            </a:schemeClr>
           </a:solidFill>
           <a:latin typeface="+mn-lt"/>
           <a:ea typeface="+mn-ea"/>
           <a:cs typeface="+mn-cs"/>
         </a:defRPr>
       </a:lvl7pPr>
-      <a:lvl8pPr marL="3429000" indent="-228600" algn="l" defTabSz="914400" rtl="0" eaLnBrk="1" latinLnBrk="0" hangingPunct="1">
+      <a:lvl8pPr marL="1500000" indent="-228600" algn="l" defTabSz="914400" rtl="0" eaLnBrk="1" latinLnBrk="0" hangingPunct="1">
         <a:lnSpc>
           <a:spcPct val="90000"/>
         </a:lnSpc>
         <a:spcBef>
-          <a:spcPts val="500"/>
+          <a:spcPts val="200"/>
         </a:spcBef>
-        <a:buFont typeface="Arial" panose="020B0604020202020204" pitchFamily="34" charset="0"/>
-        <a:buChar char="•"/>
-        <a:defRPr sz="1800" kern="1200">
+        <a:spcAft>
+          <a:spcPts val="400"/>
+        </a:spcAft>
+        <a:buClr>
+          <a:schemeClr val="accent1"/>
+        </a:buClr>
+        <a:buFont typeface="Calibri" pitchFamily="34" charset="0"/>
+        <a:buChar char="◦"/>
+        <a:defRPr sz="1400" kern="1200">
           <a:solidFill>
-            <a:schemeClr val="tx1"/>
+            <a:schemeClr val="tx1">
+              <a:lumMod val="75000"/>
+              <a:lumOff val="25000"/>
+            </a:schemeClr>
           </a:solidFill>
           <a:latin typeface="+mn-lt"/>
           <a:ea typeface="+mn-ea"/>
           <a:cs typeface="+mn-cs"/>
         </a:defRPr>
       </a:lvl8pPr>
-      <a:lvl9pPr marL="3886200" indent="-228600" algn="l" defTabSz="914400" rtl="0" eaLnBrk="1" latinLnBrk="0" hangingPunct="1">
+      <a:lvl9pPr marL="1700000" indent="-228600" algn="l" defTabSz="914400" rtl="0" eaLnBrk="1" latinLnBrk="0" hangingPunct="1">
         <a:lnSpc>
           <a:spcPct val="90000"/>
         </a:lnSpc>
         <a:spcBef>
-          <a:spcPts val="500"/>
+          <a:spcPts val="200"/>
         </a:spcBef>
-        <a:buFont typeface="Arial" panose="020B0604020202020204" pitchFamily="34" charset="0"/>
-        <a:buChar char="•"/>
-        <a:defRPr sz="1800" kern="1200">
+        <a:spcAft>
+          <a:spcPts val="400"/>
+        </a:spcAft>
+        <a:buClr>
+          <a:schemeClr val="accent1"/>
+        </a:buClr>
+        <a:buFont typeface="Calibri" pitchFamily="34" charset="0"/>
+        <a:buChar char="◦"/>
+        <a:defRPr sz="1400" kern="1200">
           <a:solidFill>
-            <a:schemeClr val="tx1"/>
+            <a:schemeClr val="tx1">
+              <a:lumMod val="75000"/>
+              <a:lumOff val="25000"/>
+            </a:schemeClr>
           </a:solidFill>
           <a:latin typeface="+mn-lt"/>
           <a:ea typeface="+mn-ea"/>
@@ -3427,7 +4353,12 @@
             <p:ph type="ctrTitle"/>
           </p:nvPr>
         </p:nvSpPr>
-        <p:spPr/>
+        <p:spPr>
+          <a:xfrm>
+            <a:off x="514349" y="758952"/>
+            <a:ext cx="10744201" cy="3566160"/>
+          </a:xfrm>
+        </p:spPr>
         <p:txBody>
           <a:bodyPr/>
           <a:lstStyle/>
@@ -3454,7 +4385,26 @@
             </a:r>
             <a:r>
               <a:rPr lang="en-ID" dirty="0" smtClean="0"/>
-              <a:t> Covid-19 di Indonesia</a:t>
+              <a:t> </a:t>
+            </a:r>
+            <a:r>
+              <a:rPr lang="en-ID" smtClean="0"/>
+              <a:t>Covid-19 </a:t>
+            </a:r>
+            <a:r>
+              <a:rPr lang="en-ID" smtClean="0"/>
+              <a:t/>
+            </a:r>
+            <a:br>
+              <a:rPr lang="en-ID" smtClean="0"/>
+            </a:br>
+            <a:r>
+              <a:rPr lang="en-ID" smtClean="0"/>
+              <a:t>di </a:t>
+            </a:r>
+            <a:r>
+              <a:rPr lang="en-ID" dirty="0" smtClean="0"/>
+              <a:t>Indonesia</a:t>
             </a:r>
             <a:endParaRPr lang="en-US" dirty="0"/>
           </a:p>
@@ -3472,7 +4422,9 @@
         </p:nvSpPr>
         <p:spPr/>
         <p:txBody>
-          <a:bodyPr/>
+          <a:bodyPr>
+            <a:normAutofit fontScale="85000" lnSpcReduction="20000"/>
+          </a:bodyPr>
           <a:lstStyle/>
           <a:p>
             <a:r>
@@ -3530,6 +4482,13 @@
   <p:clrMapOvr>
     <a:masterClrMapping/>
   </p:clrMapOvr>
+  <p:timing>
+    <p:tnLst>
+      <p:par>
+        <p:cTn id="1" dur="indefinite" restart="never" nodeType="tmRoot"/>
+      </p:par>
+    </p:tnLst>
+  </p:timing>
 </p:sld>
 </file>
 
@@ -3560,41 +4519,48 @@
             <p:ph type="title"/>
           </p:nvPr>
         </p:nvSpPr>
-        <p:spPr/>
+        <p:spPr>
+          <a:xfrm>
+            <a:off x="1097280" y="800097"/>
+            <a:ext cx="10058400" cy="837247"/>
+          </a:xfrm>
+        </p:spPr>
         <p:txBody>
-          <a:bodyPr/>
+          <a:bodyPr>
+            <a:normAutofit/>
+          </a:bodyPr>
           <a:lstStyle/>
           <a:p>
             <a:r>
-              <a:rPr lang="en-US" dirty="0" err="1" smtClean="0"/>
+              <a:rPr lang="en-US" sz="4400" dirty="0" err="1" smtClean="0"/>
               <a:t>Hasil</a:t>
             </a:r>
             <a:r>
-              <a:rPr lang="en-US" dirty="0"/>
-              <a:t> </a:t>
-            </a:r>
-            <a:r>
-              <a:rPr lang="en-US" dirty="0" err="1" smtClean="0"/>
+              <a:rPr lang="en-US" sz="4400" dirty="0"/>
+              <a:t> </a:t>
+            </a:r>
+            <a:r>
+              <a:rPr lang="en-US" sz="4400" dirty="0" err="1" smtClean="0"/>
               <a:t>prediksi</a:t>
             </a:r>
             <a:r>
-              <a:rPr lang="en-US" dirty="0" smtClean="0"/>
-              <a:t> </a:t>
-            </a:r>
-            <a:r>
-              <a:rPr lang="en-US" dirty="0" err="1" smtClean="0"/>
+              <a:rPr lang="en-US" sz="4400" dirty="0" smtClean="0"/>
+              <a:t> </a:t>
+            </a:r>
+            <a:r>
+              <a:rPr lang="en-US" sz="4400" dirty="0" err="1" smtClean="0"/>
               <a:t>dengan</a:t>
             </a:r>
             <a:r>
-              <a:rPr lang="en-US" dirty="0" smtClean="0"/>
+              <a:rPr lang="en-US" sz="4400" dirty="0" smtClean="0"/>
               <a:t> data 30 </a:t>
             </a:r>
             <a:r>
-              <a:rPr lang="en-US" dirty="0" err="1" smtClean="0"/>
+              <a:rPr lang="en-US" sz="4400" dirty="0" err="1" smtClean="0"/>
               <a:t>Maret</a:t>
             </a:r>
             <a:r>
-              <a:rPr lang="en-US" dirty="0" smtClean="0"/>
+              <a:rPr lang="en-US" sz="4400" dirty="0" smtClean="0"/>
               <a:t> 2020</a:t>
             </a:r>
           </a:p>
@@ -3610,14 +4576,14 @@
             <p:ph idx="1"/>
             <p:extLst>
               <p:ext uri="{D42A27DB-BD31-4B8C-83A1-F6EECF244321}">
-                <p14:modId xmlns:p14="http://schemas.microsoft.com/office/powerpoint/2010/main" val="3331056190"/>
+                <p14:modId xmlns:p14="http://schemas.microsoft.com/office/powerpoint/2010/main" val="1431412354"/>
               </p:ext>
             </p:extLst>
           </p:nvPr>
         </p:nvGraphicFramePr>
         <p:xfrm>
           <a:off x="1131912" y="1690688"/>
-          <a:ext cx="7786686" cy="3708400"/>
+          <a:ext cx="9469415" cy="3708400"/>
         </p:xfrm>
         <a:graphic>
           <a:graphicData uri="http://schemas.openxmlformats.org/drawingml/2006/table">
@@ -3626,10 +4592,11 @@
                 <a:tableStyleId>{5C22544A-7EE6-4342-B048-85BDC9FD1C3A}</a:tableStyleId>
               </a:tblPr>
               <a:tblGrid>
-                <a:gridCol w="522201"/>
-                <a:gridCol w="1756111"/>
-                <a:gridCol w="2754187"/>
-                <a:gridCol w="2754187"/>
+                <a:gridCol w="457795"/>
+                <a:gridCol w="1739281"/>
+                <a:gridCol w="2414587"/>
+                <a:gridCol w="2214653"/>
+                <a:gridCol w="2643099"/>
               </a:tblGrid>
               <a:tr h="370840">
                 <a:tc>
@@ -3704,6 +4671,25 @@
                   </a:txBody>
                   <a:tcPr/>
                 </a:tc>
+                <a:tc>
+                  <a:txBody>
+                    <a:bodyPr/>
+                    <a:lstStyle/>
+                    <a:p>
+                      <a:pPr algn="ctr"/>
+                      <a:r>
+                        <a:rPr lang="en-ID" dirty="0" smtClean="0"/>
+                        <a:t>Data </a:t>
+                      </a:r>
+                      <a:r>
+                        <a:rPr lang="en-ID" dirty="0" err="1" smtClean="0"/>
+                        <a:t>Asli</a:t>
+                      </a:r>
+                      <a:endParaRPr lang="en-US" dirty="0"/>
+                    </a:p>
+                  </a:txBody>
+                  <a:tcPr/>
+                </a:tc>
               </a:tr>
               <a:tr h="370840">
                 <a:tc>
@@ -3774,6 +4760,32 @@
                   </a:txBody>
                   <a:tcPr/>
                 </a:tc>
+                <a:tc>
+                  <a:txBody>
+                    <a:bodyPr/>
+                    <a:lstStyle/>
+                    <a:p>
+                      <a:pPr algn="ctr">
+                        <a:lnSpc>
+                          <a:spcPct val="150000"/>
+                        </a:lnSpc>
+                        <a:spcAft>
+                          <a:spcPts val="0"/>
+                        </a:spcAft>
+                      </a:pPr>
+                      <a:r>
+                        <a:rPr lang="en-US" sz="1800" dirty="0">
+                          <a:effectLst/>
+                          <a:latin typeface="+mn-lt"/>
+                          <a:ea typeface="Calibri" panose="020F0502020204030204" pitchFamily="34" charset="0"/>
+                          <a:cs typeface="Times New Roman" panose="02020603050405020304" pitchFamily="18" charset="0"/>
+                        </a:rPr>
+                        <a:t>136</a:t>
+                      </a:r>
+                    </a:p>
+                  </a:txBody>
+                  <a:tcPr marL="68580" marR="68580" marT="0" marB="0"/>
+                </a:tc>
               </a:tr>
               <a:tr h="370840">
                 <a:tc>
@@ -3840,6 +4852,32 @@
                   </a:txBody>
                   <a:tcPr/>
                 </a:tc>
+                <a:tc>
+                  <a:txBody>
+                    <a:bodyPr/>
+                    <a:lstStyle/>
+                    <a:p>
+                      <a:pPr algn="ctr">
+                        <a:lnSpc>
+                          <a:spcPct val="150000"/>
+                        </a:lnSpc>
+                        <a:spcAft>
+                          <a:spcPts val="0"/>
+                        </a:spcAft>
+                      </a:pPr>
+                      <a:r>
+                        <a:rPr lang="en-US" sz="1800" dirty="0">
+                          <a:effectLst/>
+                          <a:latin typeface="+mn-lt"/>
+                          <a:ea typeface="Calibri" panose="020F0502020204030204" pitchFamily="34" charset="0"/>
+                          <a:cs typeface="Times New Roman" panose="02020603050405020304" pitchFamily="18" charset="0"/>
+                        </a:rPr>
+                        <a:t>157</a:t>
+                      </a:r>
+                    </a:p>
+                  </a:txBody>
+                  <a:tcPr marL="68580" marR="68580" marT="0" marB="0"/>
+                </a:tc>
               </a:tr>
               <a:tr h="370840">
                 <a:tc>
@@ -3906,6 +4944,32 @@
                   </a:txBody>
                   <a:tcPr/>
                 </a:tc>
+                <a:tc>
+                  <a:txBody>
+                    <a:bodyPr/>
+                    <a:lstStyle/>
+                    <a:p>
+                      <a:pPr algn="ctr">
+                        <a:lnSpc>
+                          <a:spcPct val="150000"/>
+                        </a:lnSpc>
+                        <a:spcAft>
+                          <a:spcPts val="0"/>
+                        </a:spcAft>
+                      </a:pPr>
+                      <a:r>
+                        <a:rPr lang="en-US" sz="1800">
+                          <a:effectLst/>
+                          <a:latin typeface="+mn-lt"/>
+                          <a:ea typeface="Calibri" panose="020F0502020204030204" pitchFamily="34" charset="0"/>
+                          <a:cs typeface="Times New Roman" panose="02020603050405020304" pitchFamily="18" charset="0"/>
+                        </a:rPr>
+                        <a:t>170</a:t>
+                      </a:r>
+                    </a:p>
+                  </a:txBody>
+                  <a:tcPr marL="68580" marR="68580" marT="0" marB="0"/>
+                </a:tc>
               </a:tr>
               <a:tr h="370840">
                 <a:tc>
@@ -3972,6 +5036,32 @@
                   </a:txBody>
                   <a:tcPr/>
                 </a:tc>
+                <a:tc>
+                  <a:txBody>
+                    <a:bodyPr/>
+                    <a:lstStyle/>
+                    <a:p>
+                      <a:pPr algn="ctr">
+                        <a:lnSpc>
+                          <a:spcPct val="150000"/>
+                        </a:lnSpc>
+                        <a:spcAft>
+                          <a:spcPts val="0"/>
+                        </a:spcAft>
+                      </a:pPr>
+                      <a:r>
+                        <a:rPr lang="en-US" sz="1800" dirty="0">
+                          <a:effectLst/>
+                          <a:latin typeface="+mn-lt"/>
+                          <a:ea typeface="Calibri" panose="020F0502020204030204" pitchFamily="34" charset="0"/>
+                          <a:cs typeface="Times New Roman" panose="02020603050405020304" pitchFamily="18" charset="0"/>
+                        </a:rPr>
+                        <a:t>181</a:t>
+                      </a:r>
+                    </a:p>
+                  </a:txBody>
+                  <a:tcPr marL="68580" marR="68580" marT="0" marB="0"/>
+                </a:tc>
               </a:tr>
               <a:tr h="370840">
                 <a:tc>
@@ -4038,6 +5128,32 @@
                   </a:txBody>
                   <a:tcPr/>
                 </a:tc>
+                <a:tc>
+                  <a:txBody>
+                    <a:bodyPr/>
+                    <a:lstStyle/>
+                    <a:p>
+                      <a:pPr algn="ctr">
+                        <a:lnSpc>
+                          <a:spcPct val="150000"/>
+                        </a:lnSpc>
+                        <a:spcAft>
+                          <a:spcPts val="0"/>
+                        </a:spcAft>
+                      </a:pPr>
+                      <a:r>
+                        <a:rPr lang="en-US" sz="1800" dirty="0">
+                          <a:effectLst/>
+                          <a:latin typeface="+mn-lt"/>
+                          <a:ea typeface="Calibri" panose="020F0502020204030204" pitchFamily="34" charset="0"/>
+                          <a:cs typeface="Times New Roman" panose="02020603050405020304" pitchFamily="18" charset="0"/>
+                        </a:rPr>
+                        <a:t>191</a:t>
+                      </a:r>
+                    </a:p>
+                  </a:txBody>
+                  <a:tcPr marL="68580" marR="68580" marT="0" marB="0"/>
+                </a:tc>
               </a:tr>
               <a:tr h="370840">
                 <a:tc>
@@ -4104,6 +5220,32 @@
                   </a:txBody>
                   <a:tcPr/>
                 </a:tc>
+                <a:tc>
+                  <a:txBody>
+                    <a:bodyPr/>
+                    <a:lstStyle/>
+                    <a:p>
+                      <a:pPr algn="ctr">
+                        <a:lnSpc>
+                          <a:spcPct val="150000"/>
+                        </a:lnSpc>
+                        <a:spcAft>
+                          <a:spcPts val="0"/>
+                        </a:spcAft>
+                      </a:pPr>
+                      <a:r>
+                        <a:rPr lang="en-US" sz="1800" dirty="0">
+                          <a:effectLst/>
+                          <a:latin typeface="+mn-lt"/>
+                          <a:ea typeface="Calibri" panose="020F0502020204030204" pitchFamily="34" charset="0"/>
+                          <a:cs typeface="Times New Roman" panose="02020603050405020304" pitchFamily="18" charset="0"/>
+                        </a:rPr>
+                        <a:t>198</a:t>
+                      </a:r>
+                    </a:p>
+                  </a:txBody>
+                  <a:tcPr marL="68580" marR="68580" marT="0" marB="0"/>
+                </a:tc>
               </a:tr>
               <a:tr h="370840">
                 <a:tc>
@@ -4170,6 +5312,32 @@
                   </a:txBody>
                   <a:tcPr/>
                 </a:tc>
+                <a:tc>
+                  <a:txBody>
+                    <a:bodyPr/>
+                    <a:lstStyle/>
+                    <a:p>
+                      <a:pPr algn="ctr">
+                        <a:lnSpc>
+                          <a:spcPct val="150000"/>
+                        </a:lnSpc>
+                        <a:spcAft>
+                          <a:spcPts val="0"/>
+                        </a:spcAft>
+                      </a:pPr>
+                      <a:r>
+                        <a:rPr lang="en-US" sz="1800" dirty="0">
+                          <a:effectLst/>
+                          <a:latin typeface="+mn-lt"/>
+                          <a:ea typeface="Calibri" panose="020F0502020204030204" pitchFamily="34" charset="0"/>
+                          <a:cs typeface="Times New Roman" panose="02020603050405020304" pitchFamily="18" charset="0"/>
+                        </a:rPr>
+                        <a:t>209</a:t>
+                      </a:r>
+                    </a:p>
+                  </a:txBody>
+                  <a:tcPr marL="68580" marR="68580" marT="0" marB="0"/>
+                </a:tc>
               </a:tr>
               <a:tr h="370840">
                 <a:tc>
@@ -4236,6 +5404,19 @@
                   </a:txBody>
                   <a:tcPr/>
                 </a:tc>
+                <a:tc>
+                  <a:txBody>
+                    <a:bodyPr/>
+                    <a:lstStyle/>
+                    <a:p>
+                      <a:pPr algn="ctr"/>
+                      <a:endParaRPr lang="en-US" sz="1800" dirty="0">
+                        <a:latin typeface="+mn-lt"/>
+                      </a:endParaRPr>
+                    </a:p>
+                  </a:txBody>
+                  <a:tcPr/>
+                </a:tc>
               </a:tr>
               <a:tr h="370840">
                 <a:tc>
@@ -4298,6 +5479,19 @@
                         <a:t>223</a:t>
                       </a:r>
                       <a:endParaRPr lang="en-US" dirty="0"/>
+                    </a:p>
+                  </a:txBody>
+                  <a:tcPr/>
+                </a:tc>
+                <a:tc>
+                  <a:txBody>
+                    <a:bodyPr/>
+                    <a:lstStyle/>
+                    <a:p>
+                      <a:pPr algn="ctr"/>
+                      <a:endParaRPr lang="en-US" sz="1800" dirty="0">
+                        <a:latin typeface="+mn-lt"/>
+                      </a:endParaRPr>
                     </a:p>
                   </a:txBody>
                   <a:tcPr/>
@@ -4316,13 +5510,13 @@
           <p:nvPr>
             <p:extLst>
               <p:ext uri="{D42A27DB-BD31-4B8C-83A1-F6EECF244321}">
-                <p14:modId xmlns:p14="http://schemas.microsoft.com/office/powerpoint/2010/main" val="3925014175"/>
+                <p14:modId xmlns:p14="http://schemas.microsoft.com/office/powerpoint/2010/main" val="3748380517"/>
               </p:ext>
             </p:extLst>
           </p:nvPr>
         </p:nvGraphicFramePr>
         <p:xfrm>
-          <a:off x="9186861" y="1690688"/>
+          <a:off x="1131912" y="5499101"/>
           <a:ext cx="2435202" cy="1010920"/>
         </p:xfrm>
         <a:graphic>
@@ -4406,6 +5600,13 @@
   <p:clrMapOvr>
     <a:masterClrMapping/>
   </p:clrMapOvr>
+  <p:timing>
+    <p:tnLst>
+      <p:par>
+        <p:cTn id="1" dur="indefinite" restart="never" nodeType="tmRoot"/>
+      </p:par>
+    </p:tnLst>
+  </p:timing>
 </p:sld>
 </file>
 
@@ -4442,26 +5643,18 @@
           <a:lstStyle/>
           <a:p>
             <a:r>
-              <a:rPr lang="en-US" dirty="0" err="1" smtClean="0"/>
-              <a:t>Diskusi</a:t>
-            </a:r>
-            <a:r>
-              <a:rPr lang="en-US" dirty="0" smtClean="0"/>
-              <a:t> </a:t>
-            </a:r>
-            <a:r>
-              <a:rPr lang="en-US" dirty="0" err="1" smtClean="0"/>
-              <a:t>tentang</a:t>
-            </a:r>
-            <a:r>
-              <a:rPr lang="en-US" dirty="0" smtClean="0"/>
-              <a:t> </a:t>
-            </a:r>
-            <a:r>
-              <a:rPr lang="en-US" dirty="0" err="1" smtClean="0"/>
-              <a:t>hasil</a:t>
-            </a:r>
-            <a:endParaRPr lang="en-US" dirty="0" smtClean="0"/>
+              <a:rPr lang="en-ID" dirty="0" err="1" smtClean="0"/>
+              <a:t>Hasil</a:t>
+            </a:r>
+            <a:r>
+              <a:rPr lang="en-ID" dirty="0" smtClean="0"/>
+              <a:t> </a:t>
+            </a:r>
+            <a:r>
+              <a:rPr lang="en-ID" dirty="0" err="1" smtClean="0"/>
+              <a:t>Analisis</a:t>
+            </a:r>
+            <a:endParaRPr lang="en-US" dirty="0"/>
           </a:p>
         </p:txBody>
       </p:sp>
@@ -4482,190 +5675,241 @@
           <a:p>
             <a:r>
               <a:rPr lang="en-ID" dirty="0" smtClean="0"/>
-              <a:t>Model </a:t>
-            </a:r>
-            <a:r>
-              <a:rPr lang="en-ID" dirty="0" err="1" smtClean="0"/>
-              <a:t>tidak</a:t>
-            </a:r>
-            <a:r>
-              <a:rPr lang="en-ID" dirty="0" smtClean="0"/>
-              <a:t> </a:t>
-            </a:r>
-            <a:r>
-              <a:rPr lang="en-ID" dirty="0" err="1" smtClean="0"/>
-              <a:t>bisa</a:t>
-            </a:r>
-            <a:r>
-              <a:rPr lang="en-ID" dirty="0" smtClean="0"/>
-              <a:t> </a:t>
-            </a:r>
-            <a:r>
-              <a:rPr lang="en-ID" dirty="0" err="1" smtClean="0"/>
+              <a:t>Dari </a:t>
+            </a:r>
+            <a:r>
+              <a:rPr lang="en-ID" dirty="0" err="1" smtClean="0"/>
+              <a:t>hasil</a:t>
+            </a:r>
+            <a:r>
+              <a:rPr lang="en-ID" dirty="0" smtClean="0"/>
+              <a:t> </a:t>
+            </a:r>
+            <a:r>
+              <a:rPr lang="en-ID" dirty="0" err="1" smtClean="0"/>
+              <a:t>prediksi</a:t>
+            </a:r>
+            <a:r>
+              <a:rPr lang="en-ID" dirty="0" smtClean="0"/>
+              <a:t> model </a:t>
+            </a:r>
+            <a:r>
+              <a:rPr lang="en-ID" dirty="0" err="1" smtClean="0"/>
+              <a:t>dengan</a:t>
+            </a:r>
+            <a:r>
+              <a:rPr lang="en-ID" dirty="0" smtClean="0"/>
+              <a:t> data </a:t>
+            </a:r>
+            <a:r>
+              <a:rPr lang="en-ID" dirty="0" err="1" smtClean="0"/>
+              <a:t>sampai</a:t>
+            </a:r>
+            <a:r>
+              <a:rPr lang="en-ID" dirty="0" smtClean="0"/>
+              <a:t> 22 </a:t>
+            </a:r>
+            <a:r>
+              <a:rPr lang="en-ID" dirty="0" err="1" smtClean="0"/>
+              <a:t>Maret</a:t>
+            </a:r>
+            <a:r>
+              <a:rPr lang="en-ID" dirty="0" smtClean="0"/>
+              <a:t> 2020</a:t>
+            </a:r>
+            <a:r>
+              <a:rPr lang="en-ID" dirty="0"/>
+              <a:t>, </a:t>
+            </a:r>
+            <a:r>
+              <a:rPr lang="en-ID" dirty="0" err="1"/>
+              <a:t>kedua</a:t>
+            </a:r>
+            <a:r>
+              <a:rPr lang="en-ID" dirty="0"/>
+              <a:t> model </a:t>
+            </a:r>
+            <a:r>
+              <a:rPr lang="en-ID" dirty="0" err="1"/>
+              <a:t>mampu</a:t>
+            </a:r>
+            <a:r>
+              <a:rPr lang="en-ID" dirty="0"/>
+              <a:t> </a:t>
+            </a:r>
+            <a:r>
+              <a:rPr lang="en-ID" dirty="0" err="1"/>
               <a:t>memprediksi</a:t>
             </a:r>
             <a:r>
-              <a:rPr lang="en-ID" dirty="0" smtClean="0"/>
-              <a:t> </a:t>
-            </a:r>
-            <a:r>
-              <a:rPr lang="en-ID" dirty="0" err="1" smtClean="0"/>
+              <a:rPr lang="en-ID" dirty="0"/>
+              <a:t> </a:t>
+            </a:r>
+            <a:r>
+              <a:rPr lang="en-ID" dirty="0" err="1"/>
               <a:t>dengan</a:t>
             </a:r>
             <a:r>
-              <a:rPr lang="en-ID" dirty="0" smtClean="0"/>
-              <a:t> </a:t>
-            </a:r>
-            <a:r>
-              <a:rPr lang="en-ID" dirty="0" err="1" smtClean="0"/>
-              <a:t>tepat</a:t>
-            </a:r>
-            <a:r>
-              <a:rPr lang="en-ID" dirty="0" smtClean="0"/>
-              <a:t> </a:t>
-            </a:r>
-            <a:r>
-              <a:rPr lang="en-ID" dirty="0" err="1" smtClean="0"/>
-              <a:t>karena</a:t>
-            </a:r>
-            <a:r>
-              <a:rPr lang="en-ID" dirty="0" smtClean="0"/>
-              <a:t> </a:t>
-            </a:r>
-            <a:r>
-              <a:rPr lang="en-ID" dirty="0" err="1" smtClean="0"/>
-              <a:t>pada</a:t>
-            </a:r>
-            <a:r>
-              <a:rPr lang="en-ID" dirty="0" smtClean="0"/>
-              <a:t> </a:t>
-            </a:r>
-            <a:r>
-              <a:rPr lang="en-ID" dirty="0" err="1" smtClean="0"/>
-              <a:t>sekitar</a:t>
-            </a:r>
-            <a:r>
-              <a:rPr lang="en-ID" dirty="0" smtClean="0"/>
-              <a:t> </a:t>
-            </a:r>
-            <a:r>
-              <a:rPr lang="en-ID" dirty="0" err="1" smtClean="0"/>
+              <a:rPr lang="en-ID" dirty="0"/>
+              <a:t> </a:t>
+            </a:r>
+            <a:r>
+              <a:rPr lang="en-ID" dirty="0" err="1"/>
+              <a:t>baik</a:t>
+            </a:r>
+            <a:r>
+              <a:rPr lang="en-ID" dirty="0"/>
+              <a:t> </a:t>
+            </a:r>
+            <a:r>
+              <a:rPr lang="en-ID" dirty="0" err="1"/>
+              <a:t>sampai</a:t>
+            </a:r>
+            <a:r>
+              <a:rPr lang="en-ID" dirty="0"/>
+              <a:t> </a:t>
+            </a:r>
+            <a:r>
+              <a:rPr lang="en-ID" dirty="0" err="1"/>
               <a:t>tanggal</a:t>
             </a:r>
             <a:r>
-              <a:rPr lang="en-ID" dirty="0" smtClean="0"/>
+              <a:rPr lang="en-ID" dirty="0"/>
               <a:t> 27 </a:t>
             </a:r>
             <a:r>
-              <a:rPr lang="en-ID" dirty="0" err="1" smtClean="0"/>
+              <a:rPr lang="en-ID" dirty="0" err="1"/>
               <a:t>Maret</a:t>
             </a:r>
             <a:r>
-              <a:rPr lang="en-ID" dirty="0" smtClean="0"/>
+              <a:rPr lang="en-ID" dirty="0"/>
+              <a:t> 2020. </a:t>
+            </a:r>
+            <a:r>
+              <a:rPr lang="en-ID" dirty="0" err="1"/>
+              <a:t>Pada</a:t>
+            </a:r>
+            <a:r>
+              <a:rPr lang="en-ID" dirty="0"/>
+              <a:t> </a:t>
+            </a:r>
+            <a:r>
+              <a:rPr lang="en-ID" dirty="0" err="1"/>
+              <a:t>tanggal</a:t>
+            </a:r>
+            <a:r>
+              <a:rPr lang="en-ID" dirty="0"/>
+              <a:t> 28 </a:t>
+            </a:r>
+            <a:r>
+              <a:rPr lang="en-ID" dirty="0" err="1"/>
+              <a:t>Maret</a:t>
+            </a:r>
+            <a:r>
+              <a:rPr lang="en-ID" dirty="0"/>
               <a:t> 2020, </a:t>
             </a:r>
             <a:r>
-              <a:rPr lang="en-ID" dirty="0" err="1" smtClean="0"/>
+              <a:rPr lang="en-ID" dirty="0" err="1"/>
               <a:t>terjadi</a:t>
             </a:r>
             <a:r>
-              <a:rPr lang="en-ID" dirty="0" smtClean="0"/>
-              <a:t> </a:t>
-            </a:r>
-            <a:r>
-              <a:rPr lang="en-ID" dirty="0" err="1" smtClean="0"/>
+              <a:rPr lang="en-ID" dirty="0"/>
+              <a:t> </a:t>
+            </a:r>
+            <a:r>
+              <a:rPr lang="en-ID" dirty="0" err="1"/>
               <a:t>peningkatan</a:t>
             </a:r>
             <a:r>
-              <a:rPr lang="en-ID" dirty="0" smtClean="0"/>
-              <a:t> </a:t>
-            </a:r>
-            <a:r>
-              <a:rPr lang="en-ID" dirty="0" err="1" smtClean="0"/>
+              <a:rPr lang="en-ID" dirty="0"/>
+              <a:t> </a:t>
+            </a:r>
+            <a:r>
+              <a:rPr lang="en-ID" dirty="0" err="1"/>
               <a:t>jumlah</a:t>
             </a:r>
             <a:r>
-              <a:rPr lang="en-ID" dirty="0" smtClean="0"/>
-              <a:t> </a:t>
-            </a:r>
-            <a:r>
-              <a:rPr lang="en-ID" dirty="0" err="1" smtClean="0"/>
-              <a:t>kasus</a:t>
-            </a:r>
-            <a:r>
-              <a:rPr lang="en-ID" dirty="0" smtClean="0"/>
+              <a:rPr lang="en-ID" dirty="0"/>
+              <a:t> </a:t>
+            </a:r>
+            <a:r>
+              <a:rPr lang="en-ID" dirty="0" err="1"/>
+              <a:t>kematian</a:t>
+            </a:r>
+            <a:r>
+              <a:rPr lang="en-ID" dirty="0"/>
               <a:t> yang </a:t>
             </a:r>
             <a:r>
-              <a:rPr lang="en-ID" dirty="0" err="1" smtClean="0"/>
+              <a:rPr lang="en-ID" dirty="0" err="1"/>
               <a:t>cukup</a:t>
             </a:r>
             <a:r>
-              <a:rPr lang="en-ID" dirty="0" smtClean="0"/>
-              <a:t> </a:t>
-            </a:r>
-            <a:r>
-              <a:rPr lang="en-ID" dirty="0" err="1" smtClean="0"/>
+              <a:rPr lang="en-ID" dirty="0"/>
+              <a:t> </a:t>
+            </a:r>
+            <a:r>
+              <a:rPr lang="en-ID" dirty="0" err="1"/>
               <a:t>signifikan</a:t>
             </a:r>
             <a:r>
-              <a:rPr lang="en-ID" dirty="0" smtClean="0"/>
-              <a:t> </a:t>
-            </a:r>
-            <a:r>
-              <a:rPr lang="en-ID" dirty="0" err="1" smtClean="0"/>
-              <a:t>akibat</a:t>
-            </a:r>
-            <a:r>
-              <a:rPr lang="en-ID" dirty="0" smtClean="0"/>
-              <a:t> </a:t>
-            </a:r>
-            <a:r>
-              <a:rPr lang="en-ID" dirty="0" err="1" smtClean="0"/>
-              <a:t>diadakan</a:t>
-            </a:r>
-            <a:r>
-              <a:rPr lang="en-ID" dirty="0" smtClean="0"/>
-              <a:t> rapid test di </a:t>
-            </a:r>
-            <a:r>
-              <a:rPr lang="en-ID" dirty="0" err="1" smtClean="0"/>
-              <a:t>beberapa</a:t>
-            </a:r>
-            <a:r>
-              <a:rPr lang="en-ID" dirty="0" smtClean="0"/>
-              <a:t> </a:t>
-            </a:r>
-            <a:r>
-              <a:rPr lang="en-ID" dirty="0" err="1" smtClean="0"/>
-              <a:t>daerah</a:t>
-            </a:r>
-            <a:endParaRPr lang="en-ID" dirty="0" smtClean="0"/>
-          </a:p>
-          <a:p>
-            <a:r>
-              <a:rPr lang="en-ID" dirty="0" smtClean="0"/>
-              <a:t>Data yang </a:t>
-            </a:r>
-            <a:r>
-              <a:rPr lang="en-ID" dirty="0" err="1" smtClean="0"/>
-              <a:t>digunakan</a:t>
-            </a:r>
-            <a:r>
-              <a:rPr lang="en-ID" dirty="0" smtClean="0"/>
-              <a:t> </a:t>
-            </a:r>
-            <a:r>
-              <a:rPr lang="en-ID" dirty="0" err="1" smtClean="0"/>
-              <a:t>untuk</a:t>
-            </a:r>
-            <a:r>
-              <a:rPr lang="en-ID" dirty="0" smtClean="0"/>
-              <a:t> </a:t>
-            </a:r>
-            <a:r>
-              <a:rPr lang="en-ID" dirty="0" err="1" smtClean="0"/>
-              <a:t>membuat</a:t>
+              <a:rPr lang="en-ID" dirty="0"/>
+              <a:t> yang </a:t>
+            </a:r>
+            <a:r>
+              <a:rPr lang="en-ID" dirty="0" err="1"/>
+              <a:t>gagal</a:t>
+            </a:r>
+            <a:r>
+              <a:rPr lang="en-ID" dirty="0"/>
+              <a:t> </a:t>
+            </a:r>
+            <a:r>
+              <a:rPr lang="en-ID" dirty="0" err="1"/>
+              <a:t>diprediksi</a:t>
+            </a:r>
+            <a:r>
+              <a:rPr lang="en-ID" dirty="0"/>
+              <a:t> </a:t>
+            </a:r>
+            <a:r>
+              <a:rPr lang="en-ID" dirty="0" err="1"/>
+              <a:t>oleh</a:t>
+            </a:r>
+            <a:r>
+              <a:rPr lang="en-ID" dirty="0"/>
+              <a:t> </a:t>
+            </a:r>
+            <a:r>
+              <a:rPr lang="en-ID" dirty="0" err="1"/>
+              <a:t>kedua</a:t>
+            </a:r>
+            <a:r>
+              <a:rPr lang="en-ID" dirty="0"/>
+              <a:t> model</a:t>
+            </a:r>
+            <a:r>
+              <a:rPr lang="en-ID" dirty="0" smtClean="0"/>
+              <a:t>.</a:t>
+            </a:r>
+          </a:p>
+          <a:p>
+            <a:r>
+              <a:rPr lang="en-ID" dirty="0" smtClean="0"/>
+              <a:t>Dari </a:t>
+            </a:r>
+            <a:r>
+              <a:rPr lang="en-ID" dirty="0" err="1" smtClean="0"/>
+              <a:t>hasil</a:t>
+            </a:r>
+            <a:r>
+              <a:rPr lang="en-ID" dirty="0" smtClean="0"/>
+              <a:t> </a:t>
+            </a:r>
+            <a:r>
+              <a:rPr lang="en-ID" dirty="0" err="1" smtClean="0"/>
+              <a:t>prediksi</a:t>
             </a:r>
             <a:r>
               <a:rPr lang="en-ID" dirty="0" smtClean="0"/>
@@ -4673,7 +5917,7 @@
             </a:r>
             <a:r>
               <a:rPr lang="en-ID" dirty="0" err="1" smtClean="0"/>
-              <a:t>adalah</a:t>
+              <a:t>dengan</a:t>
             </a:r>
             <a:r>
               <a:rPr lang="en-ID" dirty="0" smtClean="0"/>
@@ -4681,179 +5925,318 @@
             </a:r>
             <a:r>
               <a:rPr lang="en-ID" dirty="0" err="1" smtClean="0"/>
-              <a:t>sebelum</a:t>
-            </a:r>
-            <a:r>
-              <a:rPr lang="en-ID" dirty="0" smtClean="0"/>
-              <a:t> </a:t>
-            </a:r>
-            <a:r>
-              <a:rPr lang="en-ID" dirty="0" err="1" smtClean="0"/>
-              <a:t>adanya</a:t>
-            </a:r>
-            <a:r>
-              <a:rPr lang="en-ID" dirty="0" smtClean="0"/>
-              <a:t> rapid </a:t>
-            </a:r>
-            <a:r>
-              <a:rPr lang="en-ID" dirty="0" smtClean="0"/>
-              <a:t>test</a:t>
-            </a:r>
-          </a:p>
-          <a:p>
-            <a:r>
-              <a:rPr lang="en-ID" dirty="0" smtClean="0"/>
-              <a:t>Tingkat </a:t>
-            </a:r>
-            <a:r>
-              <a:rPr lang="en-ID" dirty="0" err="1" smtClean="0"/>
-              <a:t>kematian</a:t>
-            </a:r>
-            <a:r>
-              <a:rPr lang="en-ID" dirty="0" smtClean="0"/>
-              <a:t> </a:t>
-            </a:r>
-            <a:r>
-              <a:rPr lang="en-ID" dirty="0" err="1" smtClean="0"/>
-              <a:t>tidak</a:t>
-            </a:r>
-            <a:r>
-              <a:rPr lang="en-ID" dirty="0" smtClean="0"/>
-              <a:t> </a:t>
-            </a:r>
-            <a:r>
-              <a:rPr lang="en-ID" dirty="0" err="1" smtClean="0"/>
-              <a:t>hanya</a:t>
-            </a:r>
-            <a:r>
-              <a:rPr lang="en-ID" dirty="0" smtClean="0"/>
-              <a:t> </a:t>
-            </a:r>
-            <a:r>
-              <a:rPr lang="en-ID" dirty="0" err="1" smtClean="0"/>
-              <a:t>dipengaruhi</a:t>
-            </a:r>
-            <a:r>
-              <a:rPr lang="en-ID" dirty="0" smtClean="0"/>
-              <a:t> </a:t>
-            </a:r>
-            <a:r>
-              <a:rPr lang="en-ID" dirty="0" err="1" smtClean="0"/>
+              <a:t>sampai</a:t>
+            </a:r>
+            <a:r>
+              <a:rPr lang="en-ID" dirty="0" smtClean="0"/>
+              <a:t> 30 </a:t>
+            </a:r>
+            <a:r>
+              <a:rPr lang="en-ID" dirty="0" err="1" smtClean="0"/>
+              <a:t>Maret</a:t>
+            </a:r>
+            <a:r>
+              <a:rPr lang="en-ID" dirty="0"/>
+              <a:t> 2020, </a:t>
+            </a:r>
+            <a:r>
+              <a:rPr lang="en-ID" dirty="0" err="1"/>
+              <a:t>kedua</a:t>
+            </a:r>
+            <a:r>
+              <a:rPr lang="en-ID" dirty="0"/>
+              <a:t> model </a:t>
+            </a:r>
+            <a:r>
+              <a:rPr lang="en-ID" dirty="0" err="1"/>
+              <a:t>mampu</a:t>
+            </a:r>
+            <a:r>
+              <a:rPr lang="en-ID" dirty="0"/>
+              <a:t> </a:t>
+            </a:r>
+            <a:r>
+              <a:rPr lang="en-ID" dirty="0" err="1"/>
+              <a:t>memprediksi</a:t>
+            </a:r>
+            <a:r>
+              <a:rPr lang="en-ID" dirty="0"/>
+              <a:t> </a:t>
+            </a:r>
+            <a:r>
+              <a:rPr lang="en-ID" dirty="0" err="1"/>
+              <a:t>dengan</a:t>
+            </a:r>
+            <a:r>
+              <a:rPr lang="en-ID" dirty="0"/>
+              <a:t> </a:t>
+            </a:r>
+            <a:r>
+              <a:rPr lang="en-ID" dirty="0" err="1"/>
+              <a:t>cukup</a:t>
+            </a:r>
+            <a:r>
+              <a:rPr lang="en-ID" dirty="0"/>
+              <a:t> </a:t>
+            </a:r>
+            <a:r>
+              <a:rPr lang="en-ID" dirty="0" err="1"/>
+              <a:t>baik</a:t>
+            </a:r>
+            <a:r>
+              <a:rPr lang="en-ID" dirty="0"/>
+              <a:t> </a:t>
+            </a:r>
+            <a:r>
+              <a:rPr lang="en-ID" dirty="0" err="1"/>
+              <a:t>sampai</a:t>
+            </a:r>
+            <a:r>
+              <a:rPr lang="en-ID" dirty="0"/>
+              <a:t> </a:t>
+            </a:r>
+            <a:r>
+              <a:rPr lang="en-ID" dirty="0" err="1"/>
+              <a:t>tanggal</a:t>
+            </a:r>
+            <a:r>
+              <a:rPr lang="en-ID" dirty="0"/>
+              <a:t> 6 April </a:t>
+            </a:r>
+            <a:r>
+              <a:rPr lang="en-ID" dirty="0" smtClean="0"/>
+              <a:t>2020</a:t>
+            </a:r>
+          </a:p>
+          <a:p>
+            <a:r>
+              <a:rPr lang="en-US" dirty="0" err="1"/>
+              <a:t>Jika</a:t>
+            </a:r>
+            <a:r>
+              <a:rPr lang="en-US" dirty="0"/>
+              <a:t> </a:t>
+            </a:r>
+            <a:r>
+              <a:rPr lang="en-US" dirty="0" err="1"/>
+              <a:t>membandingkan</a:t>
+            </a:r>
+            <a:r>
+              <a:rPr lang="en-US" dirty="0"/>
+              <a:t> </a:t>
+            </a:r>
+            <a:r>
+              <a:rPr lang="en-US" dirty="0" err="1"/>
+              <a:t>hasil</a:t>
+            </a:r>
+            <a:r>
+              <a:rPr lang="en-US" dirty="0"/>
+              <a:t> </a:t>
+            </a:r>
+            <a:r>
+              <a:rPr lang="en-US" dirty="0" err="1"/>
+              <a:t>prediksi</a:t>
+            </a:r>
+            <a:r>
+              <a:rPr lang="en-US" dirty="0"/>
+              <a:t> </a:t>
+            </a:r>
+            <a:r>
+              <a:rPr lang="en-US" dirty="0" err="1"/>
+              <a:t>dari</a:t>
+            </a:r>
+            <a:r>
+              <a:rPr lang="en-US" dirty="0"/>
+              <a:t> logistic model </a:t>
+            </a:r>
+            <a:r>
+              <a:rPr lang="en-US" dirty="0" err="1"/>
+              <a:t>dan</a:t>
+            </a:r>
+            <a:r>
+              <a:rPr lang="en-US" dirty="0"/>
+              <a:t> </a:t>
+            </a:r>
+            <a:r>
+              <a:rPr lang="en-US" dirty="0" err="1"/>
+              <a:t>FBProphet</a:t>
+            </a:r>
+            <a:r>
+              <a:rPr lang="en-US" dirty="0"/>
+              <a:t>, </a:t>
+            </a:r>
+            <a:r>
+              <a:rPr lang="en-US" dirty="0" err="1"/>
+              <a:t>dapat</a:t>
+            </a:r>
+            <a:r>
+              <a:rPr lang="en-US" dirty="0"/>
+              <a:t> </a:t>
+            </a:r>
+            <a:r>
+              <a:rPr lang="en-US" dirty="0" err="1"/>
+              <a:t>dilihat</a:t>
+            </a:r>
+            <a:r>
+              <a:rPr lang="en-US" dirty="0"/>
+              <a:t> </a:t>
+            </a:r>
+            <a:r>
+              <a:rPr lang="en-US" dirty="0" err="1"/>
+              <a:t>bahwa</a:t>
+            </a:r>
+            <a:r>
+              <a:rPr lang="en-US" dirty="0"/>
+              <a:t> model yang </a:t>
+            </a:r>
+            <a:r>
+              <a:rPr lang="en-US" dirty="0" err="1"/>
+              <a:t>dihasilkan</a:t>
+            </a:r>
+            <a:r>
+              <a:rPr lang="en-US" dirty="0"/>
+              <a:t> </a:t>
+            </a:r>
+            <a:r>
+              <a:rPr lang="en-US" dirty="0" err="1"/>
               <a:t>oleh</a:t>
             </a:r>
             <a:r>
-              <a:rPr lang="en-ID" dirty="0" smtClean="0"/>
-              <a:t> </a:t>
-            </a:r>
-            <a:r>
-              <a:rPr lang="en-ID" dirty="0" err="1" smtClean="0"/>
+              <a:rPr lang="en-US" dirty="0"/>
+              <a:t> </a:t>
+            </a:r>
+            <a:r>
+              <a:rPr lang="en-US" dirty="0" err="1"/>
+              <a:t>FBProphet</a:t>
+            </a:r>
+            <a:r>
+              <a:rPr lang="en-US" dirty="0"/>
+              <a:t> </a:t>
+            </a:r>
+            <a:r>
+              <a:rPr lang="en-US" dirty="0" err="1"/>
+              <a:t>cenderung</a:t>
+            </a:r>
+            <a:r>
+              <a:rPr lang="en-US" dirty="0"/>
+              <a:t> </a:t>
+            </a:r>
+            <a:r>
+              <a:rPr lang="en-US" dirty="0" err="1"/>
+              <a:t>menghasilkan</a:t>
+            </a:r>
+            <a:r>
+              <a:rPr lang="en-US" dirty="0"/>
+              <a:t> </a:t>
+            </a:r>
+            <a:r>
+              <a:rPr lang="en-US" dirty="0" err="1"/>
+              <a:t>nilai</a:t>
+            </a:r>
+            <a:r>
+              <a:rPr lang="en-US" dirty="0"/>
+              <a:t> </a:t>
+            </a:r>
+            <a:r>
+              <a:rPr lang="en-US" dirty="0" err="1"/>
+              <a:t>prediksi</a:t>
+            </a:r>
+            <a:r>
+              <a:rPr lang="en-US" dirty="0"/>
+              <a:t> </a:t>
+            </a:r>
+            <a:r>
+              <a:rPr lang="en-US" dirty="0" err="1"/>
+              <a:t>dengan</a:t>
+            </a:r>
+            <a:r>
+              <a:rPr lang="en-US" dirty="0"/>
+              <a:t> </a:t>
+            </a:r>
+            <a:r>
+              <a:rPr lang="en-US" dirty="0" err="1"/>
               <a:t>pertumbuhan</a:t>
             </a:r>
             <a:r>
-              <a:rPr lang="en-ID" dirty="0" smtClean="0"/>
-              <a:t> </a:t>
-            </a:r>
-            <a:r>
-              <a:rPr lang="en-ID" dirty="0" err="1" smtClean="0"/>
-              <a:t>jumlah</a:t>
-            </a:r>
-            <a:r>
-              <a:rPr lang="en-ID" dirty="0" smtClean="0"/>
-              <a:t> </a:t>
-            </a:r>
-            <a:r>
-              <a:rPr lang="en-ID" dirty="0" err="1" smtClean="0"/>
-              <a:t>kematian</a:t>
-            </a:r>
-            <a:r>
-              <a:rPr lang="en-ID" dirty="0" smtClean="0"/>
-              <a:t> </a:t>
-            </a:r>
-            <a:r>
-              <a:rPr lang="en-ID" dirty="0" err="1" smtClean="0"/>
-              <a:t>sebelumnya</a:t>
-            </a:r>
-            <a:r>
-              <a:rPr lang="en-ID" dirty="0" smtClean="0"/>
-              <a:t> </a:t>
-            </a:r>
-            <a:r>
-              <a:rPr lang="en-ID" dirty="0" err="1" smtClean="0"/>
-              <a:t>sehingga</a:t>
-            </a:r>
-            <a:r>
-              <a:rPr lang="en-ID" dirty="0" smtClean="0"/>
-              <a:t> </a:t>
-            </a:r>
-            <a:r>
-              <a:rPr lang="en-ID" dirty="0" err="1" smtClean="0"/>
-              <a:t>bisa</a:t>
-            </a:r>
-            <a:r>
-              <a:rPr lang="en-ID" dirty="0" smtClean="0"/>
-              <a:t> </a:t>
-            </a:r>
-            <a:r>
-              <a:rPr lang="en-ID" dirty="0" err="1" smtClean="0"/>
-              <a:t>ditambahkan</a:t>
-            </a:r>
-            <a:r>
-              <a:rPr lang="en-ID" dirty="0" smtClean="0"/>
-              <a:t> </a:t>
-            </a:r>
-            <a:r>
-              <a:rPr lang="en-ID" dirty="0" err="1" smtClean="0"/>
-              <a:t>faktor</a:t>
-            </a:r>
-            <a:r>
-              <a:rPr lang="en-ID" dirty="0" smtClean="0"/>
-              <a:t> </a:t>
-            </a:r>
-            <a:r>
-              <a:rPr lang="en-ID" dirty="0" err="1" smtClean="0"/>
-              <a:t>variabel</a:t>
-            </a:r>
-            <a:r>
-              <a:rPr lang="en-ID" dirty="0" smtClean="0"/>
-              <a:t> lain </a:t>
-            </a:r>
-            <a:r>
-              <a:rPr lang="en-ID" dirty="0" err="1" smtClean="0"/>
-              <a:t>untuk</a:t>
-            </a:r>
-            <a:r>
-              <a:rPr lang="en-ID" dirty="0" smtClean="0"/>
-              <a:t> </a:t>
-            </a:r>
-            <a:r>
-              <a:rPr lang="en-ID" dirty="0" err="1" smtClean="0"/>
-              <a:t>penelitian</a:t>
-            </a:r>
-            <a:r>
-              <a:rPr lang="en-ID" dirty="0" smtClean="0"/>
-              <a:t> </a:t>
-            </a:r>
-            <a:r>
-              <a:rPr lang="en-ID" dirty="0" err="1" smtClean="0"/>
-              <a:t>selanjutnya</a:t>
-            </a:r>
-            <a:endParaRPr lang="en-ID" dirty="0" smtClean="0"/>
-          </a:p>
-          <a:p>
-            <a:endParaRPr lang="en-US" dirty="0"/>
+              <a:rPr lang="en-US" dirty="0"/>
+              <a:t> </a:t>
+            </a:r>
+            <a:r>
+              <a:rPr lang="en-US" dirty="0" err="1"/>
+              <a:t>nilai</a:t>
+            </a:r>
+            <a:r>
+              <a:rPr lang="en-US" dirty="0"/>
+              <a:t> yang </a:t>
+            </a:r>
+            <a:r>
+              <a:rPr lang="en-US" dirty="0" err="1"/>
+              <a:t>lebih</a:t>
+            </a:r>
+            <a:r>
+              <a:rPr lang="en-US" dirty="0"/>
+              <a:t> </a:t>
+            </a:r>
+            <a:r>
+              <a:rPr lang="en-US" dirty="0" err="1"/>
+              <a:t>besar</a:t>
+            </a:r>
+            <a:r>
+              <a:rPr lang="en-US" dirty="0"/>
+              <a:t> </a:t>
+            </a:r>
+            <a:r>
+              <a:rPr lang="en-US" dirty="0" err="1"/>
+              <a:t>dari</a:t>
+            </a:r>
+            <a:r>
+              <a:rPr lang="en-US" dirty="0"/>
+              <a:t> </a:t>
+            </a:r>
+            <a:r>
+              <a:rPr lang="en-US" dirty="0" err="1"/>
+              <a:t>hari</a:t>
+            </a:r>
+            <a:r>
+              <a:rPr lang="en-US" dirty="0"/>
+              <a:t> </a:t>
+            </a:r>
+            <a:r>
+              <a:rPr lang="en-US" dirty="0" err="1"/>
+              <a:t>ke</a:t>
+            </a:r>
+            <a:r>
+              <a:rPr lang="en-US" dirty="0"/>
+              <a:t> </a:t>
+            </a:r>
+            <a:r>
+              <a:rPr lang="en-US" dirty="0" err="1"/>
+              <a:t>hari</a:t>
+            </a:r>
+            <a:r>
+              <a:rPr lang="en-US" dirty="0"/>
+              <a:t>.</a:t>
+            </a:r>
           </a:p>
         </p:txBody>
       </p:sp>
     </p:spTree>
     <p:extLst>
       <p:ext uri="{BB962C8B-B14F-4D97-AF65-F5344CB8AC3E}">
-        <p14:creationId xmlns:p14="http://schemas.microsoft.com/office/powerpoint/2010/main" val="2792857039"/>
+        <p14:creationId xmlns:p14="http://schemas.microsoft.com/office/powerpoint/2010/main" val="3460023522"/>
       </p:ext>
     </p:extLst>
   </p:cSld>
   <p:clrMapOvr>
     <a:masterClrMapping/>
   </p:clrMapOvr>
+  <p:timing>
+    <p:tnLst>
+      <p:par>
+        <p:cTn id="1" dur="indefinite" restart="never" nodeType="tmRoot"/>
+      </p:par>
+    </p:tnLst>
+  </p:timing>
 </p:sld>
 </file>
 
@@ -4890,12 +6273,16 @@
           <a:lstStyle/>
           <a:p>
             <a:r>
+              <a:rPr lang="en-US" dirty="0" err="1" smtClean="0"/>
+              <a:t>Diskusi</a:t>
+            </a:r>
+            <a:r>
               <a:rPr lang="en-US" dirty="0" smtClean="0"/>
-              <a:t>Cara </a:t>
+              <a:t> </a:t>
             </a:r>
             <a:r>
               <a:rPr lang="en-US" dirty="0" err="1" smtClean="0"/>
-              <a:t>mengkonfirmasi</a:t>
+              <a:t>tentang</a:t>
             </a:r>
             <a:r>
               <a:rPr lang="en-US" dirty="0" smtClean="0"/>
@@ -4905,7 +6292,7 @@
               <a:rPr lang="en-US" dirty="0" err="1" smtClean="0"/>
               <a:t>hasil</a:t>
             </a:r>
-            <a:endParaRPr lang="en-US" dirty="0"/>
+            <a:endParaRPr lang="en-US" dirty="0" smtClean="0"/>
           </a:p>
         </p:txBody>
       </p:sp>
@@ -4926,6 +6313,642 @@
           <a:p>
             <a:r>
               <a:rPr lang="en-ID" dirty="0" err="1" smtClean="0"/>
+              <a:t>Banyak</a:t>
+            </a:r>
+            <a:r>
+              <a:rPr lang="en-ID" dirty="0" smtClean="0"/>
+              <a:t> </a:t>
+            </a:r>
+            <a:r>
+              <a:rPr lang="en-ID" dirty="0" err="1"/>
+              <a:t>faktor</a:t>
+            </a:r>
+            <a:r>
+              <a:rPr lang="en-ID" dirty="0"/>
+              <a:t> yang </a:t>
+            </a:r>
+            <a:r>
+              <a:rPr lang="en-ID" dirty="0" err="1"/>
+              <a:t>mempengaruhi</a:t>
+            </a:r>
+            <a:r>
+              <a:rPr lang="en-ID" dirty="0"/>
+              <a:t> </a:t>
+            </a:r>
+            <a:r>
+              <a:rPr lang="en-ID" dirty="0" err="1"/>
+              <a:t>pertumbuhan</a:t>
+            </a:r>
+            <a:r>
+              <a:rPr lang="en-ID" dirty="0"/>
+              <a:t> </a:t>
+            </a:r>
+            <a:r>
+              <a:rPr lang="en-ID" dirty="0" err="1"/>
+              <a:t>jumlah</a:t>
+            </a:r>
+            <a:r>
+              <a:rPr lang="en-ID" dirty="0"/>
+              <a:t> </a:t>
+            </a:r>
+            <a:r>
+              <a:rPr lang="en-ID" dirty="0" err="1"/>
+              <a:t>kematian</a:t>
+            </a:r>
+            <a:r>
+              <a:rPr lang="en-ID" dirty="0"/>
+              <a:t> </a:t>
+            </a:r>
+            <a:r>
+              <a:rPr lang="en-ID" dirty="0" err="1"/>
+              <a:t>akibat</a:t>
+            </a:r>
+            <a:r>
+              <a:rPr lang="en-ID" dirty="0"/>
+              <a:t> Covid-19, </a:t>
+            </a:r>
+            <a:r>
+              <a:rPr lang="en-ID" dirty="0" err="1"/>
+              <a:t>seperti</a:t>
+            </a:r>
+            <a:r>
+              <a:rPr lang="en-ID" dirty="0"/>
+              <a:t> </a:t>
+            </a:r>
+            <a:r>
+              <a:rPr lang="en-ID" dirty="0" err="1"/>
+              <a:t>jumlah</a:t>
+            </a:r>
+            <a:r>
+              <a:rPr lang="en-ID" dirty="0"/>
+              <a:t> </a:t>
+            </a:r>
+            <a:r>
+              <a:rPr lang="en-ID" dirty="0" err="1"/>
+              <a:t>kasus</a:t>
+            </a:r>
+            <a:r>
+              <a:rPr lang="en-ID" dirty="0"/>
+              <a:t> </a:t>
+            </a:r>
+            <a:r>
+              <a:rPr lang="en-ID" dirty="0" err="1"/>
+              <a:t>positif</a:t>
+            </a:r>
+            <a:r>
+              <a:rPr lang="en-ID" dirty="0"/>
+              <a:t>, </a:t>
+            </a:r>
+            <a:r>
+              <a:rPr lang="en-ID" dirty="0" err="1"/>
+              <a:t>ketersediaan</a:t>
+            </a:r>
+            <a:r>
+              <a:rPr lang="en-ID" dirty="0"/>
+              <a:t> </a:t>
+            </a:r>
+            <a:r>
+              <a:rPr lang="en-ID" dirty="0" err="1"/>
+              <a:t>rumah</a:t>
+            </a:r>
+            <a:r>
+              <a:rPr lang="en-ID" dirty="0"/>
+              <a:t> </a:t>
+            </a:r>
+            <a:r>
+              <a:rPr lang="en-ID" dirty="0" err="1"/>
+              <a:t>sakit</a:t>
+            </a:r>
+            <a:r>
+              <a:rPr lang="en-ID" dirty="0"/>
+              <a:t>, </a:t>
+            </a:r>
+            <a:r>
+              <a:rPr lang="en-ID" dirty="0" err="1"/>
+              <a:t>dokter</a:t>
+            </a:r>
+            <a:r>
+              <a:rPr lang="en-ID" dirty="0"/>
+              <a:t> </a:t>
+            </a:r>
+            <a:r>
+              <a:rPr lang="en-ID" dirty="0" err="1"/>
+              <a:t>dan</a:t>
+            </a:r>
+            <a:r>
+              <a:rPr lang="en-ID" dirty="0"/>
+              <a:t> </a:t>
+            </a:r>
+            <a:r>
+              <a:rPr lang="en-ID" dirty="0" err="1"/>
+              <a:t>alat</a:t>
+            </a:r>
+            <a:r>
+              <a:rPr lang="en-ID" dirty="0"/>
+              <a:t> </a:t>
+            </a:r>
+            <a:r>
+              <a:rPr lang="en-ID" dirty="0" err="1"/>
+              <a:t>kesehatan</a:t>
+            </a:r>
+            <a:r>
+              <a:rPr lang="en-ID" dirty="0"/>
+              <a:t>, </a:t>
+            </a:r>
+            <a:r>
+              <a:rPr lang="en-ID" dirty="0" err="1"/>
+              <a:t>dan</a:t>
+            </a:r>
+            <a:r>
+              <a:rPr lang="en-ID" dirty="0"/>
+              <a:t> lain-lain. </a:t>
+            </a:r>
+            <a:r>
+              <a:rPr lang="en-ID" dirty="0" err="1"/>
+              <a:t>Penambahan</a:t>
+            </a:r>
+            <a:r>
+              <a:rPr lang="en-ID" dirty="0"/>
+              <a:t> </a:t>
+            </a:r>
+            <a:r>
+              <a:rPr lang="en-ID" dirty="0" err="1"/>
+              <a:t>faktor</a:t>
+            </a:r>
+            <a:r>
+              <a:rPr lang="en-ID" dirty="0"/>
+              <a:t> </a:t>
+            </a:r>
+            <a:r>
+              <a:rPr lang="en-ID" dirty="0" err="1"/>
+              <a:t>variabel</a:t>
+            </a:r>
+            <a:r>
+              <a:rPr lang="en-ID" dirty="0"/>
+              <a:t> lain </a:t>
+            </a:r>
+            <a:r>
+              <a:rPr lang="en-ID" dirty="0" err="1"/>
+              <a:t>untuk</a:t>
+            </a:r>
+            <a:r>
+              <a:rPr lang="en-ID" dirty="0"/>
+              <a:t> </a:t>
+            </a:r>
+            <a:r>
+              <a:rPr lang="en-ID" dirty="0" err="1"/>
+              <a:t>pembuatan</a:t>
+            </a:r>
+            <a:r>
+              <a:rPr lang="en-ID" dirty="0"/>
+              <a:t> model </a:t>
+            </a:r>
+            <a:r>
+              <a:rPr lang="en-ID" dirty="0" err="1"/>
+              <a:t>prediksi</a:t>
+            </a:r>
+            <a:r>
+              <a:rPr lang="en-ID" dirty="0"/>
+              <a:t> </a:t>
+            </a:r>
+            <a:r>
+              <a:rPr lang="en-ID" dirty="0" err="1"/>
+              <a:t>seharusnya</a:t>
+            </a:r>
+            <a:r>
+              <a:rPr lang="en-ID" dirty="0"/>
+              <a:t> </a:t>
+            </a:r>
+            <a:r>
+              <a:rPr lang="en-ID" dirty="0" err="1"/>
+              <a:t>membuat</a:t>
+            </a:r>
+            <a:r>
+              <a:rPr lang="en-ID" dirty="0"/>
+              <a:t> </a:t>
+            </a:r>
+            <a:r>
+              <a:rPr lang="en-ID" dirty="0" err="1"/>
+              <a:t>hasil</a:t>
+            </a:r>
+            <a:r>
+              <a:rPr lang="en-ID" dirty="0"/>
+              <a:t> </a:t>
+            </a:r>
+            <a:r>
+              <a:rPr lang="en-ID" dirty="0" err="1"/>
+              <a:t>prediksi</a:t>
+            </a:r>
+            <a:r>
+              <a:rPr lang="en-ID" dirty="0"/>
+              <a:t> model </a:t>
+            </a:r>
+            <a:r>
+              <a:rPr lang="en-ID" dirty="0" err="1"/>
+              <a:t>menjadi</a:t>
+            </a:r>
+            <a:r>
+              <a:rPr lang="en-ID" dirty="0"/>
+              <a:t> </a:t>
+            </a:r>
+            <a:r>
+              <a:rPr lang="en-ID" dirty="0" err="1"/>
+              <a:t>lebih</a:t>
+            </a:r>
+            <a:r>
+              <a:rPr lang="en-ID" dirty="0"/>
+              <a:t> </a:t>
+            </a:r>
+            <a:r>
+              <a:rPr lang="en-ID" dirty="0" err="1"/>
+              <a:t>presisi</a:t>
+            </a:r>
+            <a:r>
+              <a:rPr lang="en-ID" dirty="0"/>
+              <a:t>.</a:t>
+            </a:r>
+          </a:p>
+          <a:p>
+            <a:r>
+              <a:rPr lang="en-ID" dirty="0" smtClean="0"/>
+              <a:t>Model </a:t>
+            </a:r>
+            <a:r>
+              <a:rPr lang="en-ID" dirty="0" err="1" smtClean="0"/>
+              <a:t>prediksi</a:t>
+            </a:r>
+            <a:r>
+              <a:rPr lang="en-ID" dirty="0" smtClean="0"/>
+              <a:t> </a:t>
+            </a:r>
+            <a:r>
+              <a:rPr lang="en-ID" dirty="0"/>
+              <a:t>yang </a:t>
+            </a:r>
+            <a:r>
+              <a:rPr lang="en-ID" dirty="0" err="1"/>
+              <a:t>dihasilkan</a:t>
+            </a:r>
+            <a:r>
+              <a:rPr lang="en-ID" dirty="0"/>
+              <a:t> </a:t>
+            </a:r>
+            <a:r>
+              <a:rPr lang="en-ID" dirty="0" err="1" smtClean="0"/>
+              <a:t>merupakan</a:t>
+            </a:r>
+            <a:r>
+              <a:rPr lang="en-ID" dirty="0" smtClean="0"/>
+              <a:t> </a:t>
+            </a:r>
+            <a:r>
+              <a:rPr lang="en-ID" dirty="0" err="1"/>
+              <a:t>jumlah</a:t>
+            </a:r>
+            <a:r>
+              <a:rPr lang="en-ID" dirty="0"/>
+              <a:t> </a:t>
+            </a:r>
+            <a:r>
+              <a:rPr lang="en-ID" dirty="0" err="1"/>
+              <a:t>kumulatif</a:t>
+            </a:r>
+            <a:r>
+              <a:rPr lang="en-ID" dirty="0"/>
+              <a:t> </a:t>
+            </a:r>
+            <a:r>
+              <a:rPr lang="en-ID" dirty="0" err="1"/>
+              <a:t>dari</a:t>
+            </a:r>
+            <a:r>
+              <a:rPr lang="en-ID" dirty="0"/>
+              <a:t> </a:t>
+            </a:r>
+            <a:r>
+              <a:rPr lang="en-ID" dirty="0" err="1"/>
+              <a:t>seluruh</a:t>
+            </a:r>
+            <a:r>
+              <a:rPr lang="en-ID" dirty="0"/>
+              <a:t> Indonesia. </a:t>
+            </a:r>
+            <a:r>
+              <a:rPr lang="en-ID" dirty="0" err="1" smtClean="0"/>
+              <a:t>Jika</a:t>
+            </a:r>
+            <a:r>
+              <a:rPr lang="en-ID" dirty="0" smtClean="0"/>
+              <a:t> </a:t>
+            </a:r>
+            <a:r>
+              <a:rPr lang="en-ID" dirty="0" err="1"/>
+              <a:t>tersedia</a:t>
+            </a:r>
+            <a:r>
+              <a:rPr lang="en-ID" dirty="0"/>
+              <a:t> data </a:t>
+            </a:r>
+            <a:r>
+              <a:rPr lang="en-ID" dirty="0" err="1"/>
+              <a:t>jumlah</a:t>
+            </a:r>
+            <a:r>
+              <a:rPr lang="en-ID" dirty="0"/>
+              <a:t> </a:t>
+            </a:r>
+            <a:r>
+              <a:rPr lang="en-ID" dirty="0" err="1"/>
+              <a:t>kematian</a:t>
+            </a:r>
+            <a:r>
+              <a:rPr lang="en-ID" dirty="0"/>
+              <a:t> </a:t>
+            </a:r>
+            <a:r>
+              <a:rPr lang="en-ID" dirty="0" err="1"/>
+              <a:t>untuk</a:t>
+            </a:r>
+            <a:r>
+              <a:rPr lang="en-ID" dirty="0"/>
+              <a:t> </a:t>
+            </a:r>
+            <a:r>
+              <a:rPr lang="en-ID" dirty="0" err="1"/>
+              <a:t>setiap</a:t>
+            </a:r>
+            <a:r>
+              <a:rPr lang="en-ID" dirty="0"/>
+              <a:t> </a:t>
+            </a:r>
+            <a:r>
+              <a:rPr lang="en-ID" dirty="0" err="1"/>
+              <a:t>provinsi</a:t>
+            </a:r>
+            <a:r>
+              <a:rPr lang="en-ID" dirty="0"/>
+              <a:t> </a:t>
+            </a:r>
+            <a:r>
+              <a:rPr lang="en-ID" dirty="0" err="1"/>
+              <a:t>atau</a:t>
+            </a:r>
+            <a:r>
+              <a:rPr lang="en-ID" dirty="0"/>
+              <a:t> </a:t>
+            </a:r>
+            <a:r>
+              <a:rPr lang="en-ID" dirty="0" err="1"/>
+              <a:t>daerah</a:t>
+            </a:r>
+            <a:r>
+              <a:rPr lang="en-ID" dirty="0"/>
+              <a:t>, </a:t>
+            </a:r>
+            <a:r>
+              <a:rPr lang="en-ID" dirty="0" err="1"/>
+              <a:t>akan</a:t>
+            </a:r>
+            <a:r>
+              <a:rPr lang="en-ID" dirty="0"/>
+              <a:t> </a:t>
+            </a:r>
+            <a:r>
+              <a:rPr lang="en-ID" dirty="0" err="1"/>
+              <a:t>lebih</a:t>
+            </a:r>
+            <a:r>
+              <a:rPr lang="en-ID" dirty="0"/>
+              <a:t> </a:t>
+            </a:r>
+            <a:r>
+              <a:rPr lang="en-ID" dirty="0" err="1"/>
+              <a:t>baik</a:t>
+            </a:r>
+            <a:r>
+              <a:rPr lang="en-ID" dirty="0"/>
+              <a:t> </a:t>
+            </a:r>
+            <a:r>
+              <a:rPr lang="en-ID" dirty="0" err="1"/>
+              <a:t>jika</a:t>
+            </a:r>
+            <a:r>
+              <a:rPr lang="en-ID" dirty="0"/>
+              <a:t> </a:t>
+            </a:r>
+            <a:r>
+              <a:rPr lang="en-ID" dirty="0" err="1"/>
+              <a:t>dibuat</a:t>
+            </a:r>
+            <a:r>
+              <a:rPr lang="en-ID" dirty="0"/>
+              <a:t> model </a:t>
+            </a:r>
+            <a:r>
+              <a:rPr lang="en-ID" dirty="0" err="1"/>
+              <a:t>prediksi</a:t>
+            </a:r>
+            <a:r>
+              <a:rPr lang="en-ID" dirty="0"/>
+              <a:t> </a:t>
+            </a:r>
+            <a:r>
+              <a:rPr lang="en-ID" dirty="0" err="1"/>
+              <a:t>untuk</a:t>
+            </a:r>
+            <a:r>
+              <a:rPr lang="en-ID" dirty="0"/>
+              <a:t> </a:t>
+            </a:r>
+            <a:r>
+              <a:rPr lang="en-ID" dirty="0" err="1"/>
+              <a:t>setiap</a:t>
+            </a:r>
+            <a:r>
+              <a:rPr lang="en-ID" dirty="0"/>
+              <a:t> </a:t>
+            </a:r>
+            <a:r>
+              <a:rPr lang="en-ID" dirty="0" err="1"/>
+              <a:t>provinsi</a:t>
+            </a:r>
+            <a:r>
+              <a:rPr lang="en-ID" dirty="0"/>
+              <a:t> </a:t>
+            </a:r>
+            <a:r>
+              <a:rPr lang="en-ID" dirty="0" err="1"/>
+              <a:t>atau</a:t>
+            </a:r>
+            <a:r>
+              <a:rPr lang="en-ID" dirty="0"/>
+              <a:t> </a:t>
+            </a:r>
+            <a:r>
+              <a:rPr lang="en-ID" dirty="0" err="1"/>
+              <a:t>daerah</a:t>
+            </a:r>
+            <a:r>
+              <a:rPr lang="en-ID" dirty="0"/>
+              <a:t> </a:t>
+            </a:r>
+            <a:r>
+              <a:rPr lang="en-ID" dirty="0" err="1"/>
+              <a:t>tersebut</a:t>
+            </a:r>
+            <a:r>
+              <a:rPr lang="en-ID" dirty="0"/>
+              <a:t> </a:t>
+            </a:r>
+            <a:r>
+              <a:rPr lang="en-ID" dirty="0" err="1"/>
+              <a:t>supaya</a:t>
+            </a:r>
+            <a:r>
+              <a:rPr lang="en-ID" dirty="0"/>
+              <a:t> </a:t>
+            </a:r>
+            <a:r>
+              <a:rPr lang="en-ID" dirty="0" err="1"/>
+              <a:t>dapat</a:t>
+            </a:r>
+            <a:r>
+              <a:rPr lang="en-ID" dirty="0"/>
+              <a:t> </a:t>
+            </a:r>
+            <a:r>
+              <a:rPr lang="en-ID" dirty="0" err="1"/>
+              <a:t>menjawab</a:t>
+            </a:r>
+            <a:r>
+              <a:rPr lang="en-ID" dirty="0"/>
+              <a:t> </a:t>
+            </a:r>
+            <a:r>
+              <a:rPr lang="en-ID" dirty="0" err="1"/>
+              <a:t>permasalahan</a:t>
+            </a:r>
+            <a:r>
+              <a:rPr lang="en-ID" dirty="0"/>
+              <a:t> </a:t>
+            </a:r>
+            <a:r>
+              <a:rPr lang="en-ID" dirty="0" err="1"/>
+              <a:t>dengan</a:t>
+            </a:r>
+            <a:r>
+              <a:rPr lang="en-ID" dirty="0"/>
+              <a:t> </a:t>
+            </a:r>
+            <a:r>
+              <a:rPr lang="en-ID" dirty="0" err="1"/>
+              <a:t>lebih</a:t>
+            </a:r>
+            <a:r>
+              <a:rPr lang="en-ID" dirty="0"/>
+              <a:t> </a:t>
+            </a:r>
+            <a:r>
+              <a:rPr lang="en-ID" dirty="0" err="1"/>
+              <a:t>baik</a:t>
+            </a:r>
+            <a:r>
+              <a:rPr lang="en-ID" dirty="0"/>
+              <a:t>.</a:t>
+            </a:r>
+          </a:p>
+        </p:txBody>
+      </p:sp>
+    </p:spTree>
+    <p:extLst>
+      <p:ext uri="{BB962C8B-B14F-4D97-AF65-F5344CB8AC3E}">
+        <p14:creationId xmlns:p14="http://schemas.microsoft.com/office/powerpoint/2010/main" val="2792857039"/>
+      </p:ext>
+    </p:extLst>
+  </p:cSld>
+  <p:clrMapOvr>
+    <a:masterClrMapping/>
+  </p:clrMapOvr>
+  <p:timing>
+    <p:tnLst>
+      <p:par>
+        <p:cTn id="1" dur="indefinite" restart="never" nodeType="tmRoot"/>
+      </p:par>
+    </p:tnLst>
+  </p:timing>
+</p:sld>
+</file>
+
+<file path=ppt/slides/slide13.xml><?xml version="1.0" encoding="utf-8"?>
+<p:sld xmlns:a="http://schemas.openxmlformats.org/drawingml/2006/main" xmlns:r="http://schemas.openxmlformats.org/officeDocument/2006/relationships" xmlns:p="http://schemas.openxmlformats.org/presentationml/2006/main">
+  <p:cSld>
+    <p:spTree>
+      <p:nvGrpSpPr>
+        <p:cNvPr id="1" name=""/>
+        <p:cNvGrpSpPr/>
+        <p:nvPr/>
+      </p:nvGrpSpPr>
+      <p:grpSpPr>
+        <a:xfrm>
+          <a:off x="0" y="0"/>
+          <a:ext cx="0" cy="0"/>
+          <a:chOff x="0" y="0"/>
+          <a:chExt cx="0" cy="0"/>
+        </a:xfrm>
+      </p:grpSpPr>
+      <p:sp>
+        <p:nvSpPr>
+          <p:cNvPr id="2" name="Title 1"/>
+          <p:cNvSpPr>
+            <a:spLocks noGrp="1"/>
+          </p:cNvSpPr>
+          <p:nvPr>
+            <p:ph type="title"/>
+          </p:nvPr>
+        </p:nvSpPr>
+        <p:spPr/>
+        <p:txBody>
+          <a:bodyPr/>
+          <a:lstStyle/>
+          <a:p>
+            <a:r>
+              <a:rPr lang="en-US" dirty="0" smtClean="0"/>
+              <a:t>Cara </a:t>
+            </a:r>
+            <a:r>
+              <a:rPr lang="en-US" dirty="0" err="1" smtClean="0"/>
+              <a:t>mengkonfirmasi</a:t>
+            </a:r>
+            <a:r>
+              <a:rPr lang="en-US" dirty="0" smtClean="0"/>
+              <a:t> </a:t>
+            </a:r>
+            <a:r>
+              <a:rPr lang="en-US" dirty="0" err="1" smtClean="0"/>
+              <a:t>hasil</a:t>
+            </a:r>
+            <a:endParaRPr lang="en-US" dirty="0"/>
+          </a:p>
+        </p:txBody>
+      </p:sp>
+      <p:sp>
+        <p:nvSpPr>
+          <p:cNvPr id="3" name="Content Placeholder 2"/>
+          <p:cNvSpPr>
+            <a:spLocks noGrp="1"/>
+          </p:cNvSpPr>
+          <p:nvPr>
+            <p:ph idx="1"/>
+          </p:nvPr>
+        </p:nvSpPr>
+        <p:spPr/>
+        <p:txBody>
+          <a:bodyPr/>
+          <a:lstStyle/>
+          <a:p>
+            <a:r>
+              <a:rPr lang="en-ID" dirty="0" err="1" smtClean="0"/>
               <a:t>Membandingkan</a:t>
             </a:r>
             <a:r>
@@ -5046,6 +7069,110 @@
   <p:clrMapOvr>
     <a:masterClrMapping/>
   </p:clrMapOvr>
+  <p:timing>
+    <p:tnLst>
+      <p:par>
+        <p:cTn id="1" dur="indefinite" restart="never" nodeType="tmRoot"/>
+      </p:par>
+    </p:tnLst>
+  </p:timing>
+</p:sld>
+</file>
+
+<file path=ppt/slides/slide14.xml><?xml version="1.0" encoding="utf-8"?>
+<p:sld xmlns:a="http://schemas.openxmlformats.org/drawingml/2006/main" xmlns:r="http://schemas.openxmlformats.org/officeDocument/2006/relationships" xmlns:p="http://schemas.openxmlformats.org/presentationml/2006/main">
+  <p:cSld>
+    <p:spTree>
+      <p:nvGrpSpPr>
+        <p:cNvPr id="1" name=""/>
+        <p:cNvGrpSpPr/>
+        <p:nvPr/>
+      </p:nvGrpSpPr>
+      <p:grpSpPr>
+        <a:xfrm>
+          <a:off x="0" y="0"/>
+          <a:ext cx="0" cy="0"/>
+          <a:chOff x="0" y="0"/>
+          <a:chExt cx="0" cy="0"/>
+        </a:xfrm>
+      </p:grpSpPr>
+      <p:sp>
+        <p:nvSpPr>
+          <p:cNvPr id="2" name="Title 1"/>
+          <p:cNvSpPr>
+            <a:spLocks noGrp="1"/>
+          </p:cNvSpPr>
+          <p:nvPr>
+            <p:ph type="ctrTitle"/>
+          </p:nvPr>
+        </p:nvSpPr>
+        <p:spPr/>
+        <p:txBody>
+          <a:bodyPr/>
+          <a:lstStyle/>
+          <a:p>
+            <a:r>
+              <a:rPr lang="en-ID" dirty="0" err="1" smtClean="0"/>
+              <a:t>Terima</a:t>
+            </a:r>
+            <a:r>
+              <a:rPr lang="en-ID" dirty="0" smtClean="0"/>
+              <a:t> </a:t>
+            </a:r>
+            <a:r>
+              <a:rPr lang="en-ID" dirty="0" err="1" smtClean="0"/>
+              <a:t>kasih</a:t>
+            </a:r>
+            <a:endParaRPr lang="en-US" dirty="0"/>
+          </a:p>
+        </p:txBody>
+      </p:sp>
+      <p:sp>
+        <p:nvSpPr>
+          <p:cNvPr id="3" name="Subtitle 2"/>
+          <p:cNvSpPr>
+            <a:spLocks noGrp="1"/>
+          </p:cNvSpPr>
+          <p:nvPr>
+            <p:ph type="subTitle" idx="1"/>
+          </p:nvPr>
+        </p:nvSpPr>
+        <p:spPr/>
+        <p:txBody>
+          <a:bodyPr/>
+          <a:lstStyle/>
+          <a:p>
+            <a:r>
+              <a:rPr lang="en-ID" dirty="0" smtClean="0">
+                <a:latin typeface="+mn-lt"/>
+              </a:rPr>
+              <a:t>EMAIL: 23518002@STD.STEI.ITB.AC.ID</a:t>
+            </a:r>
+            <a:r>
+              <a:rPr lang="en-ID" dirty="0" smtClean="0"/>
+              <a:t> </a:t>
+            </a:r>
+            <a:endParaRPr lang="en-US" dirty="0"/>
+          </a:p>
+        </p:txBody>
+      </p:sp>
+    </p:spTree>
+    <p:extLst>
+      <p:ext uri="{BB962C8B-B14F-4D97-AF65-F5344CB8AC3E}">
+        <p14:creationId xmlns:p14="http://schemas.microsoft.com/office/powerpoint/2010/main" val="1836908592"/>
+      </p:ext>
+    </p:extLst>
+  </p:cSld>
+  <p:clrMapOvr>
+    <a:masterClrMapping/>
+  </p:clrMapOvr>
+  <p:timing>
+    <p:tnLst>
+      <p:par>
+        <p:cTn id="1" dur="indefinite" restart="never" nodeType="tmRoot"/>
+      </p:par>
+    </p:tnLst>
+  </p:timing>
 </p:sld>
 </file>
 
@@ -5477,6 +7604,13 @@
   <p:clrMapOvr>
     <a:masterClrMapping/>
   </p:clrMapOvr>
+  <p:timing>
+    <p:tnLst>
+      <p:par>
+        <p:cTn id="1" dur="indefinite" restart="never" nodeType="tmRoot"/>
+      </p:par>
+    </p:tnLst>
+  </p:timing>
 </p:sld>
 </file>
 
@@ -5703,6 +7837,13 @@
   <p:clrMapOvr>
     <a:masterClrMapping/>
   </p:clrMapOvr>
+  <p:timing>
+    <p:tnLst>
+      <p:par>
+        <p:cTn id="1" dur="indefinite" restart="never" nodeType="tmRoot"/>
+      </p:par>
+    </p:tnLst>
+  </p:timing>
 </p:sld>
 </file>
 
@@ -5839,11 +7980,7 @@
             </a:r>
             <a:r>
               <a:rPr lang="en-ID" dirty="0" smtClean="0"/>
-              <a:t> </a:t>
-            </a:r>
-            <a:r>
-              <a:rPr lang="en-ID" dirty="0" smtClean="0"/>
-              <a:t>2020 (</a:t>
+              <a:t> 2020 (</a:t>
             </a:r>
             <a:r>
               <a:rPr lang="en-ID" dirty="0" err="1" smtClean="0"/>
@@ -5861,7 +7998,6 @@
               <a:rPr lang="en-ID" dirty="0" smtClean="0"/>
               <a:t>)</a:t>
             </a:r>
-            <a:endParaRPr lang="en-ID" dirty="0" smtClean="0"/>
           </a:p>
           <a:p>
             <a:r>
@@ -6101,6 +8237,13 @@
   <p:clrMapOvr>
     <a:masterClrMapping/>
   </p:clrMapOvr>
+  <p:timing>
+    <p:tnLst>
+      <p:par>
+        <p:cTn id="1" dur="indefinite" restart="never" nodeType="tmRoot"/>
+      </p:par>
+    </p:tnLst>
+  </p:timing>
 </p:sld>
 </file>
 
@@ -6261,11 +8404,7 @@
             </a:r>
             <a:r>
               <a:rPr lang="en-ID" dirty="0" smtClean="0"/>
-              <a:t> </a:t>
-            </a:r>
-            <a:r>
-              <a:rPr lang="en-ID" dirty="0" smtClean="0"/>
-              <a:t>(</a:t>
+              <a:t> (</a:t>
             </a:r>
             <a:r>
               <a:rPr lang="en-US" dirty="0">
@@ -6277,7 +8416,6 @@
               <a:rPr lang="en-ID" dirty="0" smtClean="0"/>
               <a:t>)</a:t>
             </a:r>
-            <a:endParaRPr lang="en-ID" dirty="0" smtClean="0"/>
           </a:p>
           <a:p>
             <a:r>
@@ -6437,7 +8575,6 @@
               <a:rPr lang="en-ID" dirty="0" smtClean="0"/>
               <a:t>)</a:t>
             </a:r>
-            <a:endParaRPr lang="en-ID" dirty="0" smtClean="0"/>
           </a:p>
         </p:txBody>
       </p:sp>
@@ -6451,6 +8588,13 @@
   <p:clrMapOvr>
     <a:masterClrMapping/>
   </p:clrMapOvr>
+  <p:timing>
+    <p:tnLst>
+      <p:par>
+        <p:cTn id="1" dur="indefinite" restart="never" nodeType="tmRoot"/>
+      </p:par>
+    </p:tnLst>
+  </p:timing>
 </p:sld>
 </file>
 
@@ -6924,6 +9068,13 @@
   <p:clrMapOvr>
     <a:masterClrMapping/>
   </p:clrMapOvr>
+  <p:timing>
+    <p:tnLst>
+      <p:par>
+        <p:cTn id="1" dur="indefinite" restart="never" nodeType="tmRoot"/>
+      </p:par>
+    </p:tnLst>
+  </p:timing>
 </p:sld>
 </file>
 
@@ -7078,6 +9229,13 @@
   <p:clrMapOvr>
     <a:masterClrMapping/>
   </p:clrMapOvr>
+  <p:timing>
+    <p:tnLst>
+      <p:par>
+        <p:cTn id="1" dur="indefinite" restart="never" nodeType="tmRoot"/>
+      </p:par>
+    </p:tnLst>
+  </p:timing>
 </p:sld>
 </file>
 
@@ -7142,7 +9300,7 @@
             <p:ph idx="1"/>
             <p:extLst>
               <p:ext uri="{D42A27DB-BD31-4B8C-83A1-F6EECF244321}">
-                <p14:modId xmlns:p14="http://schemas.microsoft.com/office/powerpoint/2010/main" val="1213573439"/>
+                <p14:modId xmlns:p14="http://schemas.microsoft.com/office/powerpoint/2010/main" val="19524482"/>
               </p:ext>
             </p:extLst>
           </p:nvPr>
@@ -7865,6 +10023,10 @@
                     <a:lstStyle/>
                     <a:p>
                       <a:pPr algn="ctr"/>
+                      <a:r>
+                        <a:rPr lang="en-ID" dirty="0" smtClean="0"/>
+                        <a:t>136</a:t>
+                      </a:r>
                       <a:endParaRPr lang="en-US" dirty="0"/>
                     </a:p>
                   </a:txBody>
@@ -8059,6 +10221,13 @@
   <p:clrMapOvr>
     <a:masterClrMapping/>
   </p:clrMapOvr>
+  <p:timing>
+    <p:tnLst>
+      <p:par>
+        <p:cTn id="1" dur="indefinite" restart="never" nodeType="tmRoot"/>
+      </p:par>
+    </p:tnLst>
+  </p:timing>
 </p:sld>
 </file>
 
@@ -8127,7 +10296,7 @@
           <p:nvPr>
             <p:extLst>
               <p:ext uri="{D42A27DB-BD31-4B8C-83A1-F6EECF244321}">
-                <p14:modId xmlns:p14="http://schemas.microsoft.com/office/powerpoint/2010/main" val="44553334"/>
+                <p14:modId xmlns:p14="http://schemas.microsoft.com/office/powerpoint/2010/main" val="2758171504"/>
               </p:ext>
             </p:extLst>
           </p:nvPr>
@@ -8850,6 +11019,10 @@
                     <a:lstStyle/>
                     <a:p>
                       <a:pPr algn="ctr"/>
+                      <a:r>
+                        <a:rPr lang="en-ID" dirty="0" smtClean="0"/>
+                        <a:t>136</a:t>
+                      </a:r>
                       <a:endParaRPr lang="en-US" dirty="0"/>
                     </a:p>
                   </a:txBody>
@@ -8955,51 +11128,58 @@
   <p:clrMapOvr>
     <a:masterClrMapping/>
   </p:clrMapOvr>
+  <p:timing>
+    <p:tnLst>
+      <p:par>
+        <p:cTn id="1" dur="indefinite" restart="never" nodeType="tmRoot"/>
+      </p:par>
+    </p:tnLst>
+  </p:timing>
 </p:sld>
 </file>
 
 <file path=ppt/theme/theme1.xml><?xml version="1.0" encoding="utf-8"?>
-<a:theme xmlns:a="http://schemas.openxmlformats.org/drawingml/2006/main" name="Office Theme">
+<a:theme xmlns:a="http://schemas.openxmlformats.org/drawingml/2006/main" name="Retrospect">
   <a:themeElements>
-    <a:clrScheme name="Office">
+    <a:clrScheme name="Retrospect">
       <a:dk1>
-        <a:sysClr val="windowText" lastClr="000000"/>
+        <a:srgbClr val="000000"/>
       </a:dk1>
       <a:lt1>
         <a:sysClr val="window" lastClr="FFFFFF"/>
       </a:lt1>
       <a:dk2>
-        <a:srgbClr val="44546A"/>
+        <a:srgbClr val="637052"/>
       </a:dk2>
       <a:lt2>
-        <a:srgbClr val="E7E6E6"/>
+        <a:srgbClr val="CCDDEA"/>
       </a:lt2>
       <a:accent1>
-        <a:srgbClr val="5B9BD5"/>
+        <a:srgbClr val="E48312"/>
       </a:accent1>
       <a:accent2>
-        <a:srgbClr val="ED7D31"/>
+        <a:srgbClr val="BD582C"/>
       </a:accent2>
       <a:accent3>
-        <a:srgbClr val="A5A5A5"/>
+        <a:srgbClr val="865640"/>
       </a:accent3>
       <a:accent4>
-        <a:srgbClr val="FFC000"/>
+        <a:srgbClr val="9B8357"/>
       </a:accent4>
       <a:accent5>
-        <a:srgbClr val="4472C4"/>
+        <a:srgbClr val="C2BC80"/>
       </a:accent5>
       <a:accent6>
-        <a:srgbClr val="70AD47"/>
+        <a:srgbClr val="94A088"/>
       </a:accent6>
       <a:hlink>
-        <a:srgbClr val="0563C1"/>
+        <a:srgbClr val="2998E3"/>
       </a:hlink>
       <a:folHlink>
-        <a:srgbClr val="954F72"/>
+        <a:srgbClr val="8C8C8C"/>
       </a:folHlink>
     </a:clrScheme>
-    <a:fontScheme name="Office">
+    <a:fontScheme name="Retrospect">
       <a:majorFont>
         <a:latin typeface="Calibri Light" panose="020F0302020204030204"/>
         <a:ea typeface=""/>
@@ -9071,7 +11251,7 @@
         <a:font script="Geor" typeface="Sylfaen"/>
       </a:minorFont>
     </a:fontScheme>
-    <a:fmtScheme name="Office">
+    <a:fmtScheme name="Retrospect">
       <a:fillStyleLst>
         <a:solidFill>
           <a:schemeClr val="phClr"/>
@@ -9080,76 +11260,81 @@
           <a:gsLst>
             <a:gs pos="0">
               <a:schemeClr val="phClr">
-                <a:lumMod val="110000"/>
-                <a:satMod val="105000"/>
-                <a:tint val="67000"/>
+                <a:tint val="65000"/>
+                <a:shade val="92000"/>
+                <a:satMod val="130000"/>
               </a:schemeClr>
             </a:gs>
-            <a:gs pos="50000">
+            <a:gs pos="45000">
               <a:schemeClr val="phClr">
-                <a:lumMod val="105000"/>
-                <a:satMod val="103000"/>
-                <a:tint val="73000"/>
+                <a:tint val="60000"/>
+                <a:shade val="99000"/>
+                <a:satMod val="120000"/>
               </a:schemeClr>
             </a:gs>
             <a:gs pos="100000">
               <a:schemeClr val="phClr">
-                <a:lumMod val="105000"/>
-                <a:satMod val="109000"/>
-                <a:tint val="81000"/>
+                <a:tint val="55000"/>
+                <a:satMod val="140000"/>
               </a:schemeClr>
             </a:gs>
           </a:gsLst>
-          <a:lin ang="5400000" scaled="0"/>
+          <a:path path="circle">
+            <a:fillToRect l="100000" t="100000" r="100000" b="100000"/>
+          </a:path>
         </a:gradFill>
         <a:gradFill rotWithShape="1">
           <a:gsLst>
             <a:gs pos="0">
               <a:schemeClr val="phClr">
-                <a:satMod val="103000"/>
-                <a:lumMod val="102000"/>
-                <a:tint val="94000"/>
+                <a:shade val="85000"/>
+                <a:satMod val="130000"/>
               </a:schemeClr>
             </a:gs>
-            <a:gs pos="50000">
+            <a:gs pos="34000">
               <a:schemeClr val="phClr">
-                <a:satMod val="110000"/>
-                <a:lumMod val="100000"/>
-                <a:shade val="100000"/>
+                <a:shade val="87000"/>
+                <a:satMod val="125000"/>
+              </a:schemeClr>
+            </a:gs>
+            <a:gs pos="70000">
+              <a:schemeClr val="phClr">
+                <a:tint val="100000"/>
+                <a:shade val="90000"/>
+                <a:satMod val="130000"/>
               </a:schemeClr>
             </a:gs>
             <a:gs pos="100000">
               <a:schemeClr val="phClr">
-                <a:lumMod val="99000"/>
-                <a:satMod val="120000"/>
-                <a:shade val="78000"/>
+                <a:tint val="100000"/>
+                <a:shade val="100000"/>
+                <a:satMod val="110000"/>
               </a:schemeClr>
             </a:gs>
           </a:gsLst>
-          <a:lin ang="5400000" scaled="0"/>
+          <a:path path="circle">
+            <a:fillToRect l="100000" t="100000" r="100000" b="100000"/>
+          </a:path>
         </a:gradFill>
       </a:fillStyleLst>
       <a:lnStyleLst>
-        <a:ln w="6350" cap="flat" cmpd="sng" algn="ctr">
-          <a:solidFill>
-            <a:schemeClr val="phClr"/>
-          </a:solidFill>
-          <a:prstDash val="solid"/>
-          <a:miter lim="800000"/>
-        </a:ln>
         <a:ln w="12700" cap="flat" cmpd="sng" algn="ctr">
           <a:solidFill>
             <a:schemeClr val="phClr"/>
           </a:solidFill>
           <a:prstDash val="solid"/>
-          <a:miter lim="800000"/>
         </a:ln>
-        <a:ln w="19050" cap="flat" cmpd="sng" algn="ctr">
+        <a:ln w="15875" cap="flat" cmpd="sng" algn="ctr">
           <a:solidFill>
             <a:schemeClr val="phClr"/>
           </a:solidFill>
           <a:prstDash val="solid"/>
-          <a:miter lim="800000"/>
+        </a:ln>
+        <a:ln w="25400" cap="flat" cmpd="sng" algn="ctr">
+          <a:solidFill>
+            <a:schemeClr val="phClr"/>
+          </a:solidFill>
+          <a:prstDash val="solid"/>
         </a:ln>
       </a:lnStyleLst>
       <a:effectStyleLst>
@@ -9157,16 +11342,33 @@
           <a:effectLst/>
         </a:effectStyle>
         <a:effectStyle>
-          <a:effectLst/>
+          <a:effectLst>
+            <a:outerShdw blurRad="38100" dist="25400" dir="2700000" algn="br" rotWithShape="0">
+              <a:srgbClr val="000000">
+                <a:alpha val="60000"/>
+              </a:srgbClr>
+            </a:outerShdw>
+          </a:effectLst>
         </a:effectStyle>
         <a:effectStyle>
           <a:effectLst>
-            <a:outerShdw blurRad="57150" dist="19050" dir="5400000" algn="ctr" rotWithShape="0">
+            <a:outerShdw blurRad="44450" dist="25400" dir="2700000" algn="br" rotWithShape="0">
               <a:srgbClr val="000000">
-                <a:alpha val="63000"/>
+                <a:alpha val="60000"/>
               </a:srgbClr>
             </a:outerShdw>
           </a:effectLst>
+          <a:scene3d>
+            <a:camera prst="orthographicFront">
+              <a:rot lat="0" lon="0" rev="0"/>
+            </a:camera>
+            <a:lightRig rig="threePt" dir="t">
+              <a:rot lat="0" lon="0" rev="19800000"/>
+            </a:lightRig>
+          </a:scene3d>
+          <a:sp3d prstMaterial="flat">
+            <a:bevelT w="25400" h="31750"/>
+          </a:sp3d>
         </a:effectStyle>
       </a:effectStyleLst>
       <a:bgFillStyleLst>
@@ -9175,36 +11377,36 @@
         </a:solidFill>
         <a:solidFill>
           <a:schemeClr val="phClr">
-            <a:tint val="95000"/>
-            <a:satMod val="170000"/>
+            <a:tint val="90000"/>
+            <a:shade val="97000"/>
+            <a:satMod val="130000"/>
           </a:schemeClr>
         </a:solidFill>
         <a:gradFill rotWithShape="1">
           <a:gsLst>
             <a:gs pos="0">
               <a:schemeClr val="phClr">
-                <a:tint val="93000"/>
-                <a:satMod val="150000"/>
-                <a:shade val="98000"/>
-                <a:lumMod val="102000"/>
+                <a:tint val="96000"/>
+                <a:shade val="99000"/>
+                <a:satMod val="140000"/>
               </a:schemeClr>
             </a:gs>
-            <a:gs pos="50000">
+            <a:gs pos="65000">
               <a:schemeClr val="phClr">
-                <a:tint val="98000"/>
+                <a:tint val="100000"/>
+                <a:shade val="80000"/>
                 <a:satMod val="130000"/>
-                <a:shade val="90000"/>
-                <a:lumMod val="103000"/>
               </a:schemeClr>
             </a:gs>
             <a:gs pos="100000">
               <a:schemeClr val="phClr">
-                <a:shade val="63000"/>
+                <a:tint val="100000"/>
+                <a:shade val="48000"/>
                 <a:satMod val="120000"/>
               </a:schemeClr>
             </a:gs>
           </a:gsLst>
-          <a:lin ang="5400000" scaled="0"/>
+          <a:lin ang="16200000" scaled="0"/>
         </a:gradFill>
       </a:bgFillStyleLst>
     </a:fmtScheme>
@@ -9213,7 +11415,7 @@
   <a:extraClrSchemeLst/>
   <a:extLst>
     <a:ext uri="{05A4C25C-085E-4340-85A3-A5531E510DB2}">
-      <thm15:themeFamily xmlns:thm15="http://schemas.microsoft.com/office/thememl/2012/main" name="Office Theme" id="{62F939B6-93AF-4DB8-9C6B-D6C7DFDC589F}" vid="{4A3C46E8-61CC-4603-A589-7422A47A8E4A}"/>
+      <thm15:themeFamily xmlns:thm15="http://schemas.microsoft.com/office/thememl/2012/main" name="Retrospect" id="{5F128B03-DCCA-4EEB-AB3B-CF2899314A46}" vid="{3F1AAB62-24C6-49D2-8E01-B56FAC9A3DCD}"/>
     </a:ext>
   </a:extLst>
 </a:theme>
